--- a/Cv/File modificabili/Cv Davide Giagnacovo - ENG.pptx
+++ b/Cv/File modificabili/Cv Davide Giagnacovo - ENG.pptx
@@ -254,7 +254,7 @@
           <a:p>
             <a:fld id="{B1396FFC-11A6-4884-B1AF-427EB703A0FB}" type="datetimeFigureOut">
               <a:rPr lang="it-IT" smtClean="0"/>
-              <a:t>26/06/2020</a:t>
+              <a:t>02/07/2020</a:t>
             </a:fld>
             <a:endParaRPr lang="it-IT"/>
           </a:p>
@@ -424,7 +424,7 @@
           <a:p>
             <a:fld id="{B1396FFC-11A6-4884-B1AF-427EB703A0FB}" type="datetimeFigureOut">
               <a:rPr lang="it-IT" smtClean="0"/>
-              <a:t>26/06/2020</a:t>
+              <a:t>02/07/2020</a:t>
             </a:fld>
             <a:endParaRPr lang="it-IT"/>
           </a:p>
@@ -604,7 +604,7 @@
           <a:p>
             <a:fld id="{B1396FFC-11A6-4884-B1AF-427EB703A0FB}" type="datetimeFigureOut">
               <a:rPr lang="it-IT" smtClean="0"/>
-              <a:t>26/06/2020</a:t>
+              <a:t>02/07/2020</a:t>
             </a:fld>
             <a:endParaRPr lang="it-IT"/>
           </a:p>
@@ -774,7 +774,7 @@
           <a:p>
             <a:fld id="{B1396FFC-11A6-4884-B1AF-427EB703A0FB}" type="datetimeFigureOut">
               <a:rPr lang="it-IT" smtClean="0"/>
-              <a:t>26/06/2020</a:t>
+              <a:t>02/07/2020</a:t>
             </a:fld>
             <a:endParaRPr lang="it-IT"/>
           </a:p>
@@ -1018,7 +1018,7 @@
           <a:p>
             <a:fld id="{B1396FFC-11A6-4884-B1AF-427EB703A0FB}" type="datetimeFigureOut">
               <a:rPr lang="it-IT" smtClean="0"/>
-              <a:t>26/06/2020</a:t>
+              <a:t>02/07/2020</a:t>
             </a:fld>
             <a:endParaRPr lang="it-IT"/>
           </a:p>
@@ -1250,7 +1250,7 @@
           <a:p>
             <a:fld id="{B1396FFC-11A6-4884-B1AF-427EB703A0FB}" type="datetimeFigureOut">
               <a:rPr lang="it-IT" smtClean="0"/>
-              <a:t>26/06/2020</a:t>
+              <a:t>02/07/2020</a:t>
             </a:fld>
             <a:endParaRPr lang="it-IT"/>
           </a:p>
@@ -1617,7 +1617,7 @@
           <a:p>
             <a:fld id="{B1396FFC-11A6-4884-B1AF-427EB703A0FB}" type="datetimeFigureOut">
               <a:rPr lang="it-IT" smtClean="0"/>
-              <a:t>26/06/2020</a:t>
+              <a:t>02/07/2020</a:t>
             </a:fld>
             <a:endParaRPr lang="it-IT"/>
           </a:p>
@@ -1735,7 +1735,7 @@
           <a:p>
             <a:fld id="{B1396FFC-11A6-4884-B1AF-427EB703A0FB}" type="datetimeFigureOut">
               <a:rPr lang="it-IT" smtClean="0"/>
-              <a:t>26/06/2020</a:t>
+              <a:t>02/07/2020</a:t>
             </a:fld>
             <a:endParaRPr lang="it-IT"/>
           </a:p>
@@ -1830,7 +1830,7 @@
           <a:p>
             <a:fld id="{B1396FFC-11A6-4884-B1AF-427EB703A0FB}" type="datetimeFigureOut">
               <a:rPr lang="it-IT" smtClean="0"/>
-              <a:t>26/06/2020</a:t>
+              <a:t>02/07/2020</a:t>
             </a:fld>
             <a:endParaRPr lang="it-IT"/>
           </a:p>
@@ -2107,7 +2107,7 @@
           <a:p>
             <a:fld id="{B1396FFC-11A6-4884-B1AF-427EB703A0FB}" type="datetimeFigureOut">
               <a:rPr lang="it-IT" smtClean="0"/>
-              <a:t>26/06/2020</a:t>
+              <a:t>02/07/2020</a:t>
             </a:fld>
             <a:endParaRPr lang="it-IT"/>
           </a:p>
@@ -2364,7 +2364,7 @@
           <a:p>
             <a:fld id="{B1396FFC-11A6-4884-B1AF-427EB703A0FB}" type="datetimeFigureOut">
               <a:rPr lang="it-IT" smtClean="0"/>
-              <a:t>26/06/2020</a:t>
+              <a:t>02/07/2020</a:t>
             </a:fld>
             <a:endParaRPr lang="it-IT"/>
           </a:p>
@@ -2577,7 +2577,7 @@
           <a:p>
             <a:fld id="{B1396FFC-11A6-4884-B1AF-427EB703A0FB}" type="datetimeFigureOut">
               <a:rPr lang="it-IT" smtClean="0"/>
-              <a:t>26/06/2020</a:t>
+              <a:t>02/07/2020</a:t>
             </a:fld>
             <a:endParaRPr lang="it-IT"/>
           </a:p>
@@ -19483,6 +19483,100 @@
           </a:ln>
         </p:spPr>
       </p:pic>
+      <p:pic>
+        <p:nvPicPr>
+          <p:cNvPr id="212" name="Immagine 211">
+            <a:extLst>
+              <a:ext uri="{FF2B5EF4-FFF2-40B4-BE49-F238E27FC236}">
+                <a16:creationId xmlns:a16="http://schemas.microsoft.com/office/drawing/2014/main" id="{2EE9263C-F4D0-4BC9-BA7A-B2A2D67D5DF7}"/>
+              </a:ext>
+            </a:extLst>
+          </p:cNvPr>
+          <p:cNvPicPr>
+            <a:picLocks noChangeAspect="1"/>
+          </p:cNvPicPr>
+          <p:nvPr/>
+        </p:nvPicPr>
+        <p:blipFill rotWithShape="1">
+          <a:blip r:embed="rId6">
+            <a:extLst>
+              <a:ext uri="{28A0092B-C50C-407E-A947-70E740481C1C}">
+                <a14:useLocalDpi xmlns:a14="http://schemas.microsoft.com/office/drawing/2010/main" val="0"/>
+              </a:ext>
+            </a:extLst>
+          </a:blip>
+          <a:srcRect l="704" t="695" r="6734" b="37595"/>
+          <a:stretch/>
+        </p:blipFill>
+        <p:spPr>
+          <a:xfrm>
+            <a:off x="504000" y="342000"/>
+            <a:ext cx="1573202" cy="1573200"/>
+          </a:xfrm>
+          <a:custGeom>
+            <a:avLst/>
+            <a:gdLst>
+              <a:gd name="connsiteX0" fmla="*/ 3056452 w 6112904"/>
+              <a:gd name="connsiteY0" fmla="*/ 0 h 6112904"/>
+              <a:gd name="connsiteX1" fmla="*/ 6112904 w 6112904"/>
+              <a:gd name="connsiteY1" fmla="*/ 3056452 h 6112904"/>
+              <a:gd name="connsiteX2" fmla="*/ 3056452 w 6112904"/>
+              <a:gd name="connsiteY2" fmla="*/ 6112904 h 6112904"/>
+              <a:gd name="connsiteX3" fmla="*/ 0 w 6112904"/>
+              <a:gd name="connsiteY3" fmla="*/ 3056452 h 6112904"/>
+              <a:gd name="connsiteX4" fmla="*/ 3056452 w 6112904"/>
+              <a:gd name="connsiteY4" fmla="*/ 0 h 6112904"/>
+            </a:gdLst>
+            <a:ahLst/>
+            <a:cxnLst>
+              <a:cxn ang="0">
+                <a:pos x="connsiteX0" y="connsiteY0"/>
+              </a:cxn>
+              <a:cxn ang="0">
+                <a:pos x="connsiteX1" y="connsiteY1"/>
+              </a:cxn>
+              <a:cxn ang="0">
+                <a:pos x="connsiteX2" y="connsiteY2"/>
+              </a:cxn>
+              <a:cxn ang="0">
+                <a:pos x="connsiteX3" y="connsiteY3"/>
+              </a:cxn>
+              <a:cxn ang="0">
+                <a:pos x="connsiteX4" y="connsiteY4"/>
+              </a:cxn>
+            </a:cxnLst>
+            <a:rect l="l" t="t" r="r" b="b"/>
+            <a:pathLst>
+              <a:path w="6112904" h="6112904">
+                <a:moveTo>
+                  <a:pt x="3056452" y="0"/>
+                </a:moveTo>
+                <a:cubicBezTo>
+                  <a:pt x="4744484" y="0"/>
+                  <a:pt x="6112904" y="1368420"/>
+                  <a:pt x="6112904" y="3056452"/>
+                </a:cubicBezTo>
+                <a:cubicBezTo>
+                  <a:pt x="6112904" y="4744484"/>
+                  <a:pt x="4744484" y="6112904"/>
+                  <a:pt x="3056452" y="6112904"/>
+                </a:cubicBezTo>
+                <a:cubicBezTo>
+                  <a:pt x="1368420" y="6112904"/>
+                  <a:pt x="0" y="4744484"/>
+                  <a:pt x="0" y="3056452"/>
+                </a:cubicBezTo>
+                <a:cubicBezTo>
+                  <a:pt x="0" y="1368420"/>
+                  <a:pt x="1368420" y="0"/>
+                  <a:pt x="3056452" y="0"/>
+                </a:cubicBezTo>
+                <a:close/>
+              </a:path>
+            </a:pathLst>
+          </a:custGeom>
+        </p:spPr>
+      </p:pic>
     </p:spTree>
     <p:extLst>
       <p:ext uri="{BB962C8B-B14F-4D97-AF65-F5344CB8AC3E}">

--- a/Cv/File modificabili/Cv Davide Giagnacovo - ENG.pptx
+++ b/Cv/File modificabili/Cv Davide Giagnacovo - ENG.pptx
@@ -107,7 +107,7 @@
   <p:extLst>
     <p:ext uri="{EFAFB233-063F-42B5-8137-9DF3F51BA10A}">
       <p15:sldGuideLst xmlns:p15="http://schemas.microsoft.com/office/powerpoint/2012/main">
-        <p15:guide id="1" orient="horz" pos="1056" userDrawn="1">
+        <p15:guide id="1" orient="horz" pos="194" userDrawn="1">
           <p15:clr>
             <a:srgbClr val="A4A3A4"/>
           </p15:clr>
@@ -254,7 +254,7 @@
           <a:p>
             <a:fld id="{B1396FFC-11A6-4884-B1AF-427EB703A0FB}" type="datetimeFigureOut">
               <a:rPr lang="it-IT" smtClean="0"/>
-              <a:t>02/07/2020</a:t>
+              <a:t>06/11/2020</a:t>
             </a:fld>
             <a:endParaRPr lang="it-IT"/>
           </a:p>
@@ -424,7 +424,7 @@
           <a:p>
             <a:fld id="{B1396FFC-11A6-4884-B1AF-427EB703A0FB}" type="datetimeFigureOut">
               <a:rPr lang="it-IT" smtClean="0"/>
-              <a:t>02/07/2020</a:t>
+              <a:t>06/11/2020</a:t>
             </a:fld>
             <a:endParaRPr lang="it-IT"/>
           </a:p>
@@ -604,7 +604,7 @@
           <a:p>
             <a:fld id="{B1396FFC-11A6-4884-B1AF-427EB703A0FB}" type="datetimeFigureOut">
               <a:rPr lang="it-IT" smtClean="0"/>
-              <a:t>02/07/2020</a:t>
+              <a:t>06/11/2020</a:t>
             </a:fld>
             <a:endParaRPr lang="it-IT"/>
           </a:p>
@@ -774,7 +774,7 @@
           <a:p>
             <a:fld id="{B1396FFC-11A6-4884-B1AF-427EB703A0FB}" type="datetimeFigureOut">
               <a:rPr lang="it-IT" smtClean="0"/>
-              <a:t>02/07/2020</a:t>
+              <a:t>06/11/2020</a:t>
             </a:fld>
             <a:endParaRPr lang="it-IT"/>
           </a:p>
@@ -1018,7 +1018,7 @@
           <a:p>
             <a:fld id="{B1396FFC-11A6-4884-B1AF-427EB703A0FB}" type="datetimeFigureOut">
               <a:rPr lang="it-IT" smtClean="0"/>
-              <a:t>02/07/2020</a:t>
+              <a:t>06/11/2020</a:t>
             </a:fld>
             <a:endParaRPr lang="it-IT"/>
           </a:p>
@@ -1250,7 +1250,7 @@
           <a:p>
             <a:fld id="{B1396FFC-11A6-4884-B1AF-427EB703A0FB}" type="datetimeFigureOut">
               <a:rPr lang="it-IT" smtClean="0"/>
-              <a:t>02/07/2020</a:t>
+              <a:t>06/11/2020</a:t>
             </a:fld>
             <a:endParaRPr lang="it-IT"/>
           </a:p>
@@ -1617,7 +1617,7 @@
           <a:p>
             <a:fld id="{B1396FFC-11A6-4884-B1AF-427EB703A0FB}" type="datetimeFigureOut">
               <a:rPr lang="it-IT" smtClean="0"/>
-              <a:t>02/07/2020</a:t>
+              <a:t>06/11/2020</a:t>
             </a:fld>
             <a:endParaRPr lang="it-IT"/>
           </a:p>
@@ -1735,7 +1735,7 @@
           <a:p>
             <a:fld id="{B1396FFC-11A6-4884-B1AF-427EB703A0FB}" type="datetimeFigureOut">
               <a:rPr lang="it-IT" smtClean="0"/>
-              <a:t>02/07/2020</a:t>
+              <a:t>06/11/2020</a:t>
             </a:fld>
             <a:endParaRPr lang="it-IT"/>
           </a:p>
@@ -1830,7 +1830,7 @@
           <a:p>
             <a:fld id="{B1396FFC-11A6-4884-B1AF-427EB703A0FB}" type="datetimeFigureOut">
               <a:rPr lang="it-IT" smtClean="0"/>
-              <a:t>02/07/2020</a:t>
+              <a:t>06/11/2020</a:t>
             </a:fld>
             <a:endParaRPr lang="it-IT"/>
           </a:p>
@@ -2107,7 +2107,7 @@
           <a:p>
             <a:fld id="{B1396FFC-11A6-4884-B1AF-427EB703A0FB}" type="datetimeFigureOut">
               <a:rPr lang="it-IT" smtClean="0"/>
-              <a:t>02/07/2020</a:t>
+              <a:t>06/11/2020</a:t>
             </a:fld>
             <a:endParaRPr lang="it-IT"/>
           </a:p>
@@ -2364,7 +2364,7 @@
           <a:p>
             <a:fld id="{B1396FFC-11A6-4884-B1AF-427EB703A0FB}" type="datetimeFigureOut">
               <a:rPr lang="it-IT" smtClean="0"/>
-              <a:t>02/07/2020</a:t>
+              <a:t>06/11/2020</a:t>
             </a:fld>
             <a:endParaRPr lang="it-IT"/>
           </a:p>
@@ -2577,7 +2577,7 @@
           <a:p>
             <a:fld id="{B1396FFC-11A6-4884-B1AF-427EB703A0FB}" type="datetimeFigureOut">
               <a:rPr lang="it-IT" smtClean="0"/>
-              <a:t>02/07/2020</a:t>
+              <a:t>06/11/2020</a:t>
             </a:fld>
             <a:endParaRPr lang="it-IT"/>
           </a:p>
@@ -7246,7 +7246,7 @@
         </p:nvSpPr>
         <p:spPr>
           <a:xfrm>
-            <a:off x="2852739" y="728405"/>
+            <a:off x="2852739" y="614093"/>
             <a:ext cx="870334" cy="994888"/>
           </a:xfrm>
           <a:prstGeom prst="rect">
@@ -7525,7 +7525,7 @@
         </p:nvSpPr>
         <p:spPr>
           <a:xfrm>
-            <a:off x="4811785" y="742620"/>
+            <a:off x="4811785" y="628308"/>
             <a:ext cx="751728" cy="256224"/>
           </a:xfrm>
           <a:prstGeom prst="rect">
@@ -7569,7 +7569,7 @@
         </p:nvCxnSpPr>
         <p:spPr>
           <a:xfrm>
-            <a:off x="2852738" y="1870153"/>
+            <a:off x="2852738" y="1698685"/>
             <a:ext cx="3756580" cy="0"/>
           </a:xfrm>
           <a:prstGeom prst="line">
@@ -7610,7 +7610,7 @@
         </p:nvGrpSpPr>
         <p:grpSpPr>
           <a:xfrm>
-            <a:off x="2866141" y="2093774"/>
+            <a:off x="2866141" y="1850865"/>
             <a:ext cx="370296" cy="299244"/>
             <a:chOff x="3289027" y="650478"/>
             <a:chExt cx="370296" cy="299244"/>
@@ -7737,7 +7737,7 @@
         </p:nvSpPr>
         <p:spPr>
           <a:xfrm>
-            <a:off x="3236438" y="2120285"/>
+            <a:off x="3236438" y="1877376"/>
             <a:ext cx="1836707" cy="246221"/>
           </a:xfrm>
           <a:prstGeom prst="rect">
@@ -7755,7 +7755,7 @@
               <a:rPr lang="it-IT" sz="1000" dirty="0">
                 <a:latin typeface="Montserrat Medium" panose="00000600000000000000" pitchFamily="2" charset="0"/>
               </a:rPr>
-              <a:t>WORK EXPERIENCE</a:t>
+              <a:t>WORK EXPERIENCES</a:t>
             </a:r>
           </a:p>
         </p:txBody>
@@ -8028,7 +8028,7 @@
         </p:nvSpPr>
         <p:spPr>
           <a:xfrm>
-            <a:off x="2927502" y="2151175"/>
+            <a:off x="2927502" y="1908266"/>
             <a:ext cx="182685" cy="182199"/>
           </a:xfrm>
           <a:custGeom>
@@ -8318,7 +8318,7 @@
         </p:nvSpPr>
         <p:spPr>
           <a:xfrm>
-            <a:off x="2879615" y="2611946"/>
+            <a:off x="2879615" y="2278556"/>
             <a:ext cx="82402" cy="82402"/>
           </a:xfrm>
           <a:prstGeom prst="ellipse">
@@ -8370,8 +8370,8 @@
         </p:nvSpPr>
         <p:spPr>
           <a:xfrm>
-            <a:off x="2927501" y="2553120"/>
-            <a:ext cx="682473" cy="200055"/>
+            <a:off x="2927501" y="2219730"/>
+            <a:ext cx="719053" cy="200055"/>
           </a:xfrm>
           <a:prstGeom prst="rect">
             <a:avLst/>
@@ -8388,8 +8388,17 @@
               <a:rPr lang="it-IT" sz="700" dirty="0">
                 <a:latin typeface="Montserrat Light" panose="00000400000000000000" pitchFamily="2" charset="0"/>
               </a:rPr>
-              <a:t>2017 - 2020</a:t>
+              <a:t>2020 - </a:t>
             </a:r>
+            <a:r>
+              <a:rPr lang="it-IT" sz="700" dirty="0" err="1">
+                <a:latin typeface="Montserrat Light" panose="00000400000000000000" pitchFamily="2" charset="0"/>
+              </a:rPr>
+              <a:t>Now</a:t>
+            </a:r>
+            <a:endParaRPr lang="it-IT" sz="700" dirty="0">
+              <a:latin typeface="Montserrat Light" panose="00000400000000000000" pitchFamily="2" charset="0"/>
+            </a:endParaRPr>
           </a:p>
         </p:txBody>
       </p:sp>
@@ -8407,7 +8416,7 @@
         </p:nvSpPr>
         <p:spPr>
           <a:xfrm>
-            <a:off x="3593483" y="2537731"/>
+            <a:off x="3593483" y="2204341"/>
             <a:ext cx="3099417" cy="230832"/>
           </a:xfrm>
           <a:prstGeom prst="rect">
@@ -8428,7 +8437,7 @@
                 </a:solidFill>
                 <a:latin typeface="Montserrat SemiBold" panose="00000700000000000000" pitchFamily="2" charset="0"/>
               </a:rPr>
-              <a:t>Business Developer &amp; Marketing Specialist</a:t>
+              <a:t>Business Consultant Automotive</a:t>
             </a:r>
           </a:p>
         </p:txBody>
@@ -8447,7 +8456,7 @@
         </p:nvSpPr>
         <p:spPr>
           <a:xfrm>
-            <a:off x="3007251" y="3172526"/>
+            <a:off x="3007251" y="2839136"/>
             <a:ext cx="74364" cy="103066"/>
           </a:xfrm>
           <a:custGeom>
@@ -8579,7 +8588,7 @@
         </p:nvSpPr>
         <p:spPr>
           <a:xfrm>
-            <a:off x="3078650" y="3124032"/>
+            <a:off x="3078650" y="2790642"/>
             <a:ext cx="480995" cy="200055"/>
           </a:xfrm>
           <a:prstGeom prst="rect">
@@ -8619,8 +8628,8 @@
         </p:nvSpPr>
         <p:spPr>
           <a:xfrm>
-            <a:off x="3605355" y="2799004"/>
-            <a:ext cx="2975387" cy="1200329"/>
+            <a:off x="3605355" y="2465614"/>
+            <a:ext cx="3003962" cy="954107"/>
           </a:xfrm>
           <a:prstGeom prst="rect">
             <a:avLst/>
@@ -8640,7 +8649,7 @@
                 </a:solidFill>
                 <a:latin typeface="Montserrat" panose="00000500000000000000" pitchFamily="2" charset="0"/>
               </a:rPr>
-              <a:t>▪ Wholesale of hardware and software solutions;</a:t>
+              <a:t>▪ Communicating with customers via email, telephone, and in person;</a:t>
             </a:r>
             <a:br>
               <a:rPr lang="en-US" sz="800" dirty="0">
@@ -8657,7 +8666,18 @@
                 </a:solidFill>
                 <a:latin typeface="Montserrat" panose="00000500000000000000" pitchFamily="2" charset="0"/>
               </a:rPr>
-              <a:t>▪ Follow up of customers / prospects to achieve commercial objectives;</a:t>
+              <a:t>▪ Management of financing, leasing, long-term rental practices;</a:t>
+            </a:r>
+          </a:p>
+          <a:p>
+            <a:r>
+              <a:rPr lang="en-US" sz="800" dirty="0">
+                <a:solidFill>
+                  <a:srgbClr val="000000"/>
+                </a:solidFill>
+                <a:latin typeface="Montserrat" panose="00000500000000000000" pitchFamily="2" charset="0"/>
+              </a:rPr>
+              <a:t>▪ Guarantee the achievement of the commercial objectives assigned;</a:t>
             </a:r>
             <a:br>
               <a:rPr lang="en-US" sz="800" dirty="0">
@@ -8667,49 +8687,6 @@
                 <a:latin typeface="Montserrat" panose="00000500000000000000" pitchFamily="2" charset="0"/>
               </a:rPr>
             </a:br>
-            <a:r>
-              <a:rPr lang="en-US" sz="800" dirty="0">
-                <a:solidFill>
-                  <a:srgbClr val="000000"/>
-                </a:solidFill>
-                <a:latin typeface="Montserrat" panose="00000500000000000000" pitchFamily="2" charset="0"/>
-              </a:rPr>
-              <a:t>▪ Maximization of ROI, through KPI market analysis and SWOT analysis;</a:t>
-            </a:r>
-            <a:br>
-              <a:rPr lang="en-US" sz="800" dirty="0">
-                <a:solidFill>
-                  <a:srgbClr val="000000"/>
-                </a:solidFill>
-                <a:latin typeface="Montserrat" panose="00000500000000000000" pitchFamily="2" charset="0"/>
-              </a:rPr>
-            </a:br>
-            <a:r>
-              <a:rPr lang="en-US" sz="800" dirty="0">
-                <a:solidFill>
-                  <a:srgbClr val="000000"/>
-                </a:solidFill>
-                <a:latin typeface="Montserrat" panose="00000500000000000000" pitchFamily="2" charset="0"/>
-              </a:rPr>
-              <a:t>▪ Developing strategic marketing plans and advertising budget management;</a:t>
-            </a:r>
-            <a:br>
-              <a:rPr lang="en-US" sz="800" dirty="0">
-                <a:solidFill>
-                  <a:srgbClr val="000000"/>
-                </a:solidFill>
-                <a:latin typeface="Montserrat" panose="00000500000000000000" pitchFamily="2" charset="0"/>
-              </a:rPr>
-            </a:br>
-            <a:r>
-              <a:rPr lang="en-US" sz="800" dirty="0">
-                <a:solidFill>
-                  <a:srgbClr val="000000"/>
-                </a:solidFill>
-                <a:latin typeface="Montserrat" panose="00000500000000000000" pitchFamily="2" charset="0"/>
-              </a:rPr>
-              <a:t>▪ Identification of new trends and business development opportunities.</a:t>
-            </a:r>
             <a:endParaRPr lang="it-IT" sz="800" dirty="0">
               <a:solidFill>
                 <a:srgbClr val="000000"/>
@@ -8733,7 +8710,7 @@
         </p:nvSpPr>
         <p:spPr>
           <a:xfrm>
-            <a:off x="2930221" y="4153018"/>
+            <a:off x="2930221" y="4786463"/>
             <a:ext cx="682473" cy="200055"/>
           </a:xfrm>
           <a:prstGeom prst="rect">
@@ -8770,7 +8747,7 @@
         </p:nvSpPr>
         <p:spPr>
           <a:xfrm>
-            <a:off x="3596204" y="4137629"/>
+            <a:off x="3596204" y="4771074"/>
             <a:ext cx="2495034" cy="230832"/>
           </a:xfrm>
           <a:prstGeom prst="rect">
@@ -8810,8 +8787,8 @@
         </p:nvSpPr>
         <p:spPr>
           <a:xfrm>
-            <a:off x="3608075" y="4398902"/>
-            <a:ext cx="2975387" cy="1323439"/>
+            <a:off x="3608075" y="5013297"/>
+            <a:ext cx="3099416" cy="1077218"/>
           </a:xfrm>
           <a:prstGeom prst="rect">
             <a:avLst/>
@@ -8824,6 +8801,11 @@
           </a:bodyPr>
           <a:lstStyle/>
           <a:p>
+            <a:pPr marL="90488" indent="-90488">
+              <a:tabLst>
+                <a:tab pos="90488" algn="l"/>
+              </a:tabLst>
+            </a:pPr>
             <a:r>
               <a:rPr lang="en-US" sz="800" dirty="0">
                 <a:solidFill>
@@ -8831,25 +8813,7 @@
                 </a:solidFill>
                 <a:latin typeface="Montserrat" panose="00000500000000000000" pitchFamily="2" charset="0"/>
               </a:rPr>
-              <a:t>▪ Realization of commercial offers and interfacing with Poste </a:t>
-            </a:r>
-            <a:r>
-              <a:rPr lang="en-US" sz="800" dirty="0" err="1">
-                <a:solidFill>
-                  <a:srgbClr val="000000"/>
-                </a:solidFill>
-                <a:latin typeface="Montserrat" panose="00000500000000000000" pitchFamily="2" charset="0"/>
-              </a:rPr>
-              <a:t>Italiane</a:t>
-            </a:r>
-            <a:r>
-              <a:rPr lang="en-US" sz="800" dirty="0">
-                <a:solidFill>
-                  <a:srgbClr val="000000"/>
-                </a:solidFill>
-                <a:latin typeface="Montserrat" panose="00000500000000000000" pitchFamily="2" charset="0"/>
-              </a:rPr>
-              <a:t> commercial;</a:t>
+              <a:t>▪ Realization of commercial offers,  provide quotes, information, support and pricing details;</a:t>
             </a:r>
           </a:p>
           <a:p>
@@ -8871,7 +8835,7 @@
                 </a:solidFill>
                 <a:latin typeface="Montserrat" panose="00000500000000000000" pitchFamily="2" charset="0"/>
               </a:rPr>
-              <a:t>▪ Building long-term relationships with existing customers;</a:t>
+              <a:t>▪ Building long-term relationships with customers;</a:t>
             </a:r>
           </a:p>
           <a:p>
@@ -8882,7 +8846,7 @@
                 </a:solidFill>
                 <a:latin typeface="Montserrat" panose="00000500000000000000" pitchFamily="2" charset="0"/>
               </a:rPr>
-              <a:t>▪ Communication with the customers for the launching of news promotions;</a:t>
+              <a:t>▪ Communication with the customers for the</a:t>
             </a:r>
           </a:p>
           <a:p>
@@ -8893,7 +8857,7 @@
                 </a:solidFill>
                 <a:latin typeface="Montserrat" panose="00000500000000000000" pitchFamily="2" charset="0"/>
               </a:rPr>
-              <a:t>▪ Management of the technical and commercial theme to manage customer needs;</a:t>
+              <a:t>   launching of news promotions;</a:t>
             </a:r>
           </a:p>
           <a:p>
@@ -8904,14 +8868,19 @@
                 </a:solidFill>
                 <a:latin typeface="Montserrat" panose="00000500000000000000" pitchFamily="2" charset="0"/>
               </a:rPr>
-              <a:t>▪ Cross Selling.</a:t>
+              <a:t>▪ Management of the technical and commercial</a:t>
             </a:r>
-            <a:endParaRPr lang="it-IT" sz="800" dirty="0">
-              <a:solidFill>
-                <a:srgbClr val="000000"/>
-              </a:solidFill>
-              <a:latin typeface="Montserrat" panose="00000500000000000000" pitchFamily="2" charset="0"/>
-            </a:endParaRPr>
+          </a:p>
+          <a:p>
+            <a:r>
+              <a:rPr lang="en-US" sz="800" dirty="0">
+                <a:solidFill>
+                  <a:srgbClr val="000000"/>
+                </a:solidFill>
+                <a:latin typeface="Montserrat" panose="00000500000000000000" pitchFamily="2" charset="0"/>
+              </a:rPr>
+              <a:t>   theme to manage customer needs.</a:t>
+            </a:r>
           </a:p>
         </p:txBody>
       </p:sp>
@@ -8929,8 +8898,8 @@
         </p:nvSpPr>
         <p:spPr>
           <a:xfrm>
-            <a:off x="3070175" y="2860889"/>
-            <a:ext cx="480995" cy="200055"/>
+            <a:off x="3070175" y="2527499"/>
+            <a:ext cx="540567" cy="200055"/>
           </a:xfrm>
           <a:prstGeom prst="rect">
             <a:avLst/>
@@ -8950,7 +8919,7 @@
                 </a:solidFill>
                 <a:latin typeface="Montserrat Light" panose="00000400000000000000" pitchFamily="2" charset="0"/>
               </a:rPr>
-              <a:t>Hitech</a:t>
+              <a:t>Amicar</a:t>
             </a:r>
           </a:p>
         </p:txBody>
@@ -8969,7 +8938,7 @@
         </p:nvGrpSpPr>
         <p:grpSpPr>
           <a:xfrm>
-            <a:off x="2983312" y="2888992"/>
+            <a:off x="2983312" y="2555602"/>
             <a:ext cx="125683" cy="126926"/>
             <a:chOff x="-59100700" y="1911950"/>
             <a:chExt cx="315875" cy="319000"/>
@@ -10004,7 +9973,7 @@
         </p:nvSpPr>
         <p:spPr>
           <a:xfrm>
-            <a:off x="3002180" y="4772424"/>
+            <a:off x="3002180" y="5386819"/>
             <a:ext cx="74364" cy="103066"/>
           </a:xfrm>
           <a:custGeom>
@@ -10136,7 +10105,7 @@
         </p:nvSpPr>
         <p:spPr>
           <a:xfrm>
-            <a:off x="3073579" y="4723930"/>
+            <a:off x="3073579" y="5338325"/>
             <a:ext cx="480995" cy="200055"/>
           </a:xfrm>
           <a:prstGeom prst="rect">
@@ -10176,7 +10145,7 @@
         </p:nvSpPr>
         <p:spPr>
           <a:xfrm>
-            <a:off x="3065104" y="4460787"/>
+            <a:off x="3065104" y="5075182"/>
             <a:ext cx="547586" cy="200055"/>
           </a:xfrm>
           <a:prstGeom prst="rect">
@@ -10222,7 +10191,7 @@
         </p:nvGrpSpPr>
         <p:grpSpPr>
           <a:xfrm>
-            <a:off x="2978241" y="4488890"/>
+            <a:off x="2978241" y="5103285"/>
             <a:ext cx="125683" cy="126926"/>
             <a:chOff x="-59100700" y="1911950"/>
             <a:chExt cx="315875" cy="319000"/>
@@ -11257,7 +11226,7 @@
         </p:nvSpPr>
         <p:spPr>
           <a:xfrm>
-            <a:off x="2879615" y="5885248"/>
+            <a:off x="2879615" y="6132923"/>
             <a:ext cx="82402" cy="82402"/>
           </a:xfrm>
           <a:prstGeom prst="ellipse">
@@ -11309,7 +11278,7 @@
         </p:nvSpPr>
         <p:spPr>
           <a:xfrm>
-            <a:off x="2927501" y="5826422"/>
+            <a:off x="2927501" y="6074097"/>
             <a:ext cx="682473" cy="200055"/>
           </a:xfrm>
           <a:prstGeom prst="rect">
@@ -11346,7 +11315,7 @@
         </p:nvSpPr>
         <p:spPr>
           <a:xfrm>
-            <a:off x="3593483" y="5811033"/>
+            <a:off x="3593483" y="6058708"/>
             <a:ext cx="2027893" cy="230832"/>
           </a:xfrm>
           <a:prstGeom prst="rect">
@@ -11401,7 +11370,7 @@
         </p:nvSpPr>
         <p:spPr>
           <a:xfrm>
-            <a:off x="3605355" y="6072306"/>
+            <a:off x="3605355" y="6319981"/>
             <a:ext cx="2975387" cy="1323439"/>
           </a:xfrm>
           <a:prstGeom prst="rect">
@@ -11422,7 +11391,27 @@
                 </a:solidFill>
                 <a:latin typeface="Montserrat" panose="00000500000000000000" pitchFamily="2" charset="0"/>
               </a:rPr>
-              <a:t>▪ Research companies interested in buying Italian products (UK, Spain, Shanghai </a:t>
+              <a:t>▪ Research companies interested in buying Italian</a:t>
+            </a:r>
+          </a:p>
+          <a:p>
+            <a:r>
+              <a:rPr lang="en-US" sz="800" dirty="0">
+                <a:solidFill>
+                  <a:srgbClr val="000000"/>
+                </a:solidFill>
+                <a:latin typeface="Montserrat" panose="00000500000000000000" pitchFamily="2" charset="0"/>
+              </a:rPr>
+              <a:t>   products (USA, Europe</a:t>
+            </a:r>
+            <a:r>
+              <a:rPr lang="en-US" sz="800">
+                <a:solidFill>
+                  <a:srgbClr val="000000"/>
+                </a:solidFill>
+                <a:latin typeface="Montserrat" panose="00000500000000000000" pitchFamily="2" charset="0"/>
+              </a:rPr>
+              <a:t>, Asia </a:t>
             </a:r>
             <a:r>
               <a:rPr lang="en-US" sz="800" dirty="0" err="1">
@@ -11469,7 +11458,18 @@
                 </a:solidFill>
                 <a:latin typeface="Montserrat" panose="00000500000000000000" pitchFamily="2" charset="0"/>
               </a:rPr>
-              <a:t> Commercial Activity: creation of commercial offers;</a:t>
+              <a:t> Commercial Activity: creation of commercial</a:t>
+            </a:r>
+          </a:p>
+          <a:p>
+            <a:r>
+              <a:rPr lang="en-US" sz="800" dirty="0">
+                <a:solidFill>
+                  <a:srgbClr val="000000"/>
+                </a:solidFill>
+                <a:latin typeface="Montserrat" panose="00000500000000000000" pitchFamily="2" charset="0"/>
+              </a:rPr>
+              <a:t>   offers;</a:t>
             </a:r>
           </a:p>
           <a:p>
@@ -11491,7 +11491,7 @@
                 </a:solidFill>
                 <a:latin typeface="Montserrat" panose="00000500000000000000" pitchFamily="2" charset="0"/>
               </a:rPr>
-              <a:t>▪ Realization of communication materials through graphic tools;</a:t>
+              <a:t>▪ Realization of communication materials through</a:t>
             </a:r>
           </a:p>
           <a:p>
@@ -11502,7 +11502,29 @@
                 </a:solidFill>
                 <a:latin typeface="Montserrat" panose="00000500000000000000" pitchFamily="2" charset="0"/>
               </a:rPr>
-              <a:t>▪ Native speaker team management for interfacing with foreign customers (4/6 resources);</a:t>
+              <a:t>   graphic tools;</a:t>
+            </a:r>
+          </a:p>
+          <a:p>
+            <a:r>
+              <a:rPr lang="en-US" sz="800" dirty="0">
+                <a:solidFill>
+                  <a:srgbClr val="000000"/>
+                </a:solidFill>
+                <a:latin typeface="Montserrat" panose="00000500000000000000" pitchFamily="2" charset="0"/>
+              </a:rPr>
+              <a:t>▪ Native speaker team management for interfacing</a:t>
+            </a:r>
+          </a:p>
+          <a:p>
+            <a:r>
+              <a:rPr lang="en-US" sz="800" dirty="0">
+                <a:solidFill>
+                  <a:srgbClr val="000000"/>
+                </a:solidFill>
+                <a:latin typeface="Montserrat" panose="00000500000000000000" pitchFamily="2" charset="0"/>
+              </a:rPr>
+              <a:t>   with foreign customers (4/6 resources);</a:t>
             </a:r>
           </a:p>
           <a:p>
@@ -11538,7 +11560,7 @@
         </p:nvSpPr>
         <p:spPr>
           <a:xfrm>
-            <a:off x="2999460" y="6445828"/>
+            <a:off x="2999460" y="6693503"/>
             <a:ext cx="74364" cy="103066"/>
           </a:xfrm>
           <a:custGeom>
@@ -11670,7 +11692,7 @@
         </p:nvSpPr>
         <p:spPr>
           <a:xfrm>
-            <a:off x="3070859" y="6397334"/>
+            <a:off x="3070859" y="6645009"/>
             <a:ext cx="480995" cy="200055"/>
           </a:xfrm>
           <a:prstGeom prst="rect">
@@ -11710,7 +11732,7 @@
         </p:nvSpPr>
         <p:spPr>
           <a:xfrm>
-            <a:off x="3057230" y="6082064"/>
+            <a:off x="3057230" y="6329739"/>
             <a:ext cx="665842" cy="307777"/>
           </a:xfrm>
           <a:prstGeom prst="rect">
@@ -11750,7 +11772,7 @@
         </p:nvGrpSpPr>
         <p:grpSpPr>
           <a:xfrm>
-            <a:off x="2977902" y="6162294"/>
+            <a:off x="2977902" y="6409969"/>
             <a:ext cx="125683" cy="126926"/>
             <a:chOff x="-59100700" y="1911950"/>
             <a:chExt cx="315875" cy="319000"/>
@@ -12789,8 +12811,8 @@
         </p:nvCxnSpPr>
         <p:spPr>
           <a:xfrm>
-            <a:off x="2920816" y="2694348"/>
-            <a:ext cx="0" cy="3190900"/>
+            <a:off x="2920816" y="2360958"/>
+            <a:ext cx="0" cy="3771965"/>
           </a:xfrm>
           <a:prstGeom prst="line">
             <a:avLst/>
@@ -12831,7 +12853,7 @@
         </p:nvSpPr>
         <p:spPr>
           <a:xfrm>
-            <a:off x="2879615" y="4211844"/>
+            <a:off x="2879615" y="4845289"/>
             <a:ext cx="82402" cy="82402"/>
           </a:xfrm>
           <a:prstGeom prst="ellipse">
@@ -12885,7 +12907,7 @@
         </p:nvCxnSpPr>
         <p:spPr>
           <a:xfrm>
-            <a:off x="2852738" y="7500793"/>
+            <a:off x="2852738" y="7686544"/>
             <a:ext cx="3756580" cy="0"/>
           </a:xfrm>
           <a:prstGeom prst="line">
@@ -12926,7 +12948,7 @@
         </p:nvGrpSpPr>
         <p:grpSpPr>
           <a:xfrm>
-            <a:off x="2866141" y="7681830"/>
+            <a:off x="2866141" y="7867581"/>
             <a:ext cx="370296" cy="299244"/>
             <a:chOff x="3289027" y="650478"/>
             <a:chExt cx="370296" cy="299244"/>
@@ -13053,7 +13075,7 @@
         </p:nvSpPr>
         <p:spPr>
           <a:xfrm>
-            <a:off x="3236438" y="7708341"/>
+            <a:off x="3236438" y="7894092"/>
             <a:ext cx="1836707" cy="246221"/>
           </a:xfrm>
           <a:prstGeom prst="rect">
@@ -13090,7 +13112,7 @@
         </p:nvSpPr>
         <p:spPr>
           <a:xfrm>
-            <a:off x="2931000" y="7748495"/>
+            <a:off x="2931000" y="7934246"/>
             <a:ext cx="175687" cy="174489"/>
           </a:xfrm>
           <a:custGeom>
@@ -13433,1039 +13455,6 @@
           </a:p>
         </p:txBody>
       </p:sp>
-      <p:grpSp>
-        <p:nvGrpSpPr>
-          <p:cNvPr id="289" name="Gruppo 288">
-            <a:extLst>
-              <a:ext uri="{FF2B5EF4-FFF2-40B4-BE49-F238E27FC236}">
-                <a16:creationId xmlns:a16="http://schemas.microsoft.com/office/drawing/2014/main" id="{AD5AA9AF-CAC1-4E92-BD7B-4B1E2D76A8DF}"/>
-              </a:ext>
-            </a:extLst>
-          </p:cNvPr>
-          <p:cNvGrpSpPr/>
-          <p:nvPr/>
-        </p:nvGrpSpPr>
-        <p:grpSpPr>
-          <a:xfrm>
-            <a:off x="2541580" y="8107477"/>
-            <a:ext cx="1454313" cy="996846"/>
-            <a:chOff x="2756060" y="8072731"/>
-            <a:chExt cx="1454313" cy="996846"/>
-          </a:xfrm>
-        </p:grpSpPr>
-        <p:sp>
-          <p:nvSpPr>
-            <p:cNvPr id="304" name="Ovale 303">
-              <a:extLst>
-                <a:ext uri="{FF2B5EF4-FFF2-40B4-BE49-F238E27FC236}">
-                  <a16:creationId xmlns:a16="http://schemas.microsoft.com/office/drawing/2014/main" id="{71875559-7EA8-4F89-A4BA-90527472B41E}"/>
-                </a:ext>
-              </a:extLst>
-            </p:cNvPr>
-            <p:cNvSpPr/>
-            <p:nvPr/>
-          </p:nvSpPr>
-          <p:spPr>
-            <a:xfrm>
-              <a:off x="3442015" y="8072731"/>
-              <a:ext cx="82402" cy="82402"/>
-            </a:xfrm>
-            <a:prstGeom prst="ellipse">
-              <a:avLst/>
-            </a:prstGeom>
-            <a:solidFill>
-              <a:srgbClr val="862121"/>
-            </a:solidFill>
-            <a:ln>
-              <a:noFill/>
-            </a:ln>
-          </p:spPr>
-          <p:style>
-            <a:lnRef idx="2">
-              <a:schemeClr val="accent1">
-                <a:shade val="50000"/>
-              </a:schemeClr>
-            </a:lnRef>
-            <a:fillRef idx="1">
-              <a:schemeClr val="accent1"/>
-            </a:fillRef>
-            <a:effectRef idx="0">
-              <a:schemeClr val="accent1"/>
-            </a:effectRef>
-            <a:fontRef idx="minor">
-              <a:schemeClr val="lt1"/>
-            </a:fontRef>
-          </p:style>
-          <p:txBody>
-            <a:bodyPr rtlCol="0" anchor="ctr"/>
-            <a:lstStyle/>
-            <a:p>
-              <a:pPr algn="ctr"/>
-              <a:endParaRPr lang="it-IT"/>
-            </a:p>
-          </p:txBody>
-        </p:sp>
-        <p:sp>
-          <p:nvSpPr>
-            <p:cNvPr id="305" name="CasellaDiTesto 304">
-              <a:extLst>
-                <a:ext uri="{FF2B5EF4-FFF2-40B4-BE49-F238E27FC236}">
-                  <a16:creationId xmlns:a16="http://schemas.microsoft.com/office/drawing/2014/main" id="{291A06D6-EBCC-44B6-9BD8-3F00439236A1}"/>
-                </a:ext>
-              </a:extLst>
-            </p:cNvPr>
-            <p:cNvSpPr txBox="1"/>
-            <p:nvPr/>
-          </p:nvSpPr>
-          <p:spPr>
-            <a:xfrm>
-              <a:off x="3141980" y="8446679"/>
-              <a:ext cx="682473" cy="200055"/>
-            </a:xfrm>
-            <a:prstGeom prst="rect">
-              <a:avLst/>
-            </a:prstGeom>
-            <a:noFill/>
-          </p:spPr>
-          <p:txBody>
-            <a:bodyPr wrap="square" rtlCol="0">
-              <a:spAutoFit/>
-            </a:bodyPr>
-            <a:lstStyle/>
-            <a:p>
-              <a:pPr algn="ctr"/>
-              <a:r>
-                <a:rPr lang="it-IT" sz="700" dirty="0">
-                  <a:latin typeface="Montserrat Light" panose="00000400000000000000" pitchFamily="2" charset="0"/>
-                </a:rPr>
-                <a:t>2014 - 2016</a:t>
-              </a:r>
-            </a:p>
-          </p:txBody>
-        </p:sp>
-        <p:sp>
-          <p:nvSpPr>
-            <p:cNvPr id="306" name="CasellaDiTesto 305">
-              <a:extLst>
-                <a:ext uri="{FF2B5EF4-FFF2-40B4-BE49-F238E27FC236}">
-                  <a16:creationId xmlns:a16="http://schemas.microsoft.com/office/drawing/2014/main" id="{82DC21BA-B3A9-4E47-9234-17CEC254C9A0}"/>
-                </a:ext>
-              </a:extLst>
-            </p:cNvPr>
-            <p:cNvSpPr txBox="1"/>
-            <p:nvPr/>
-          </p:nvSpPr>
-          <p:spPr>
-            <a:xfrm>
-              <a:off x="2756060" y="8156915"/>
-              <a:ext cx="1454313" cy="369332"/>
-            </a:xfrm>
-            <a:prstGeom prst="rect">
-              <a:avLst/>
-            </a:prstGeom>
-            <a:noFill/>
-          </p:spPr>
-          <p:txBody>
-            <a:bodyPr wrap="square" rtlCol="0">
-              <a:spAutoFit/>
-            </a:bodyPr>
-            <a:lstStyle/>
-            <a:p>
-              <a:pPr algn="ctr"/>
-              <a:r>
-                <a:rPr lang="en-US" sz="900" dirty="0">
-                  <a:solidFill>
-                    <a:srgbClr val="5A5A5A"/>
-                  </a:solidFill>
-                  <a:latin typeface="Montserrat SemiBold" panose="00000700000000000000" pitchFamily="2" charset="0"/>
-                </a:rPr>
-                <a:t>Master in</a:t>
-              </a:r>
-            </a:p>
-            <a:p>
-              <a:pPr algn="ctr"/>
-              <a:r>
-                <a:rPr lang="en-US" sz="900" dirty="0">
-                  <a:solidFill>
-                    <a:srgbClr val="5A5A5A"/>
-                  </a:solidFill>
-                  <a:latin typeface="Montserrat SemiBold" panose="00000700000000000000" pitchFamily="2" charset="0"/>
-                </a:rPr>
-                <a:t> Marketing</a:t>
-              </a:r>
-            </a:p>
-          </p:txBody>
-        </p:sp>
-        <p:sp>
-          <p:nvSpPr>
-            <p:cNvPr id="307" name="Google Shape;4016;p36">
-              <a:extLst>
-                <a:ext uri="{FF2B5EF4-FFF2-40B4-BE49-F238E27FC236}">
-                  <a16:creationId xmlns:a16="http://schemas.microsoft.com/office/drawing/2014/main" id="{CAEBBC10-E1E4-4035-8573-957CC7653A79}"/>
-                </a:ext>
-              </a:extLst>
-            </p:cNvPr>
-            <p:cNvSpPr/>
-            <p:nvPr/>
-          </p:nvSpPr>
-          <p:spPr>
-            <a:xfrm>
-              <a:off x="3446034" y="8759971"/>
-              <a:ext cx="74364" cy="103066"/>
-            </a:xfrm>
-            <a:custGeom>
-              <a:avLst/>
-              <a:gdLst/>
-              <a:ahLst/>
-              <a:cxnLst/>
-              <a:rect l="l" t="t" r="r" b="b"/>
-              <a:pathLst>
-                <a:path w="12426" h="17222" extrusionOk="0">
-                  <a:moveTo>
-                    <a:pt x="6213" y="3388"/>
-                  </a:moveTo>
-                  <a:cubicBezTo>
-                    <a:pt x="7354" y="3388"/>
-                    <a:pt x="8384" y="4074"/>
-                    <a:pt x="8821" y="5131"/>
-                  </a:cubicBezTo>
-                  <a:cubicBezTo>
-                    <a:pt x="9257" y="6185"/>
-                    <a:pt x="9016" y="7399"/>
-                    <a:pt x="8206" y="8206"/>
-                  </a:cubicBezTo>
-                  <a:cubicBezTo>
-                    <a:pt x="7666" y="8748"/>
-                    <a:pt x="6945" y="9035"/>
-                    <a:pt x="6210" y="9035"/>
-                  </a:cubicBezTo>
-                  <a:cubicBezTo>
-                    <a:pt x="5847" y="9035"/>
-                    <a:pt x="5481" y="8965"/>
-                    <a:pt x="5132" y="8820"/>
-                  </a:cubicBezTo>
-                  <a:cubicBezTo>
-                    <a:pt x="4075" y="8383"/>
-                    <a:pt x="3388" y="7354"/>
-                    <a:pt x="3388" y="6212"/>
-                  </a:cubicBezTo>
-                  <a:cubicBezTo>
-                    <a:pt x="3391" y="4652"/>
-                    <a:pt x="4653" y="3391"/>
-                    <a:pt x="6213" y="3388"/>
-                  </a:cubicBezTo>
-                  <a:close/>
-                  <a:moveTo>
-                    <a:pt x="6213" y="0"/>
-                  </a:moveTo>
-                  <a:cubicBezTo>
-                    <a:pt x="2825" y="0"/>
-                    <a:pt x="1" y="2728"/>
-                    <a:pt x="1" y="6212"/>
-                  </a:cubicBezTo>
-                  <a:cubicBezTo>
-                    <a:pt x="1" y="7537"/>
-                    <a:pt x="398" y="8718"/>
-                    <a:pt x="1163" y="9826"/>
-                  </a:cubicBezTo>
-                  <a:lnTo>
-                    <a:pt x="5737" y="16959"/>
-                  </a:lnTo>
-                  <a:cubicBezTo>
-                    <a:pt x="5847" y="17134"/>
-                    <a:pt x="6029" y="17221"/>
-                    <a:pt x="6211" y="17221"/>
-                  </a:cubicBezTo>
-                  <a:cubicBezTo>
-                    <a:pt x="6394" y="17221"/>
-                    <a:pt x="6576" y="17134"/>
-                    <a:pt x="6686" y="16959"/>
-                  </a:cubicBezTo>
-                  <a:lnTo>
-                    <a:pt x="11278" y="9802"/>
-                  </a:lnTo>
-                  <a:cubicBezTo>
-                    <a:pt x="12025" y="8751"/>
-                    <a:pt x="12425" y="7498"/>
-                    <a:pt x="12422" y="6212"/>
-                  </a:cubicBezTo>
-                  <a:cubicBezTo>
-                    <a:pt x="12422" y="2786"/>
-                    <a:pt x="9637" y="0"/>
-                    <a:pt x="6213" y="0"/>
-                  </a:cubicBezTo>
-                  <a:close/>
-                </a:path>
-              </a:pathLst>
-            </a:custGeom>
-            <a:solidFill>
-              <a:srgbClr val="A9ABAA"/>
-            </a:solidFill>
-            <a:ln>
-              <a:noFill/>
-            </a:ln>
-          </p:spPr>
-          <p:txBody>
-            <a:bodyPr spcFirstLastPara="1" wrap="square" lIns="91425" tIns="91425" rIns="91425" bIns="91425" anchor="ctr" anchorCtr="0">
-              <a:noAutofit/>
-            </a:bodyPr>
-            <a:lstStyle/>
-            <a:p>
-              <a:pPr marL="0" lvl="0" indent="0" algn="ctr" rtl="0">
-                <a:spcBef>
-                  <a:spcPts val="0"/>
-                </a:spcBef>
-                <a:spcAft>
-                  <a:spcPts val="0"/>
-                </a:spcAft>
-                <a:buNone/>
-              </a:pPr>
-              <a:endParaRPr sz="1400">
-                <a:solidFill>
-                  <a:srgbClr val="435D74"/>
-                </a:solidFill>
-              </a:endParaRPr>
-            </a:p>
-          </p:txBody>
-        </p:sp>
-        <p:sp>
-          <p:nvSpPr>
-            <p:cNvPr id="310" name="CasellaDiTesto 309">
-              <a:extLst>
-                <a:ext uri="{FF2B5EF4-FFF2-40B4-BE49-F238E27FC236}">
-                  <a16:creationId xmlns:a16="http://schemas.microsoft.com/office/drawing/2014/main" id="{DF5E0CF0-A4C6-4100-B2E4-A0F70BE24414}"/>
-                </a:ext>
-              </a:extLst>
-            </p:cNvPr>
-            <p:cNvSpPr txBox="1"/>
-            <p:nvPr/>
-          </p:nvSpPr>
-          <p:spPr>
-            <a:xfrm>
-              <a:off x="2890832" y="8869522"/>
-              <a:ext cx="1200312" cy="200055"/>
-            </a:xfrm>
-            <a:prstGeom prst="rect">
-              <a:avLst/>
-            </a:prstGeom>
-            <a:noFill/>
-          </p:spPr>
-          <p:txBody>
-            <a:bodyPr wrap="square" rtlCol="0">
-              <a:spAutoFit/>
-            </a:bodyPr>
-            <a:lstStyle/>
-            <a:p>
-              <a:pPr algn="ctr"/>
-              <a:r>
-                <a:rPr lang="it-IT" sz="700" dirty="0">
-                  <a:solidFill>
-                    <a:srgbClr val="A9ABAA"/>
-                  </a:solidFill>
-                  <a:latin typeface="Montserrat Light" panose="00000400000000000000" pitchFamily="2" charset="0"/>
-                </a:rPr>
-                <a:t>Uniba - Economics</a:t>
-              </a:r>
-            </a:p>
-          </p:txBody>
-        </p:sp>
-      </p:grpSp>
-      <p:grpSp>
-        <p:nvGrpSpPr>
-          <p:cNvPr id="353" name="Gruppo 352">
-            <a:extLst>
-              <a:ext uri="{FF2B5EF4-FFF2-40B4-BE49-F238E27FC236}">
-                <a16:creationId xmlns:a16="http://schemas.microsoft.com/office/drawing/2014/main" id="{62CEB136-DFDD-433B-A7B3-932D92364487}"/>
-              </a:ext>
-            </a:extLst>
-          </p:cNvPr>
-          <p:cNvGrpSpPr/>
-          <p:nvPr/>
-        </p:nvGrpSpPr>
-        <p:grpSpPr>
-          <a:xfrm>
-            <a:off x="5422292" y="8107477"/>
-            <a:ext cx="1454313" cy="996846"/>
-            <a:chOff x="2756060" y="8072731"/>
-            <a:chExt cx="1454313" cy="996846"/>
-          </a:xfrm>
-        </p:grpSpPr>
-        <p:sp>
-          <p:nvSpPr>
-            <p:cNvPr id="354" name="Ovale 353">
-              <a:extLst>
-                <a:ext uri="{FF2B5EF4-FFF2-40B4-BE49-F238E27FC236}">
-                  <a16:creationId xmlns:a16="http://schemas.microsoft.com/office/drawing/2014/main" id="{5C3CF711-F6EC-4441-8C0D-0ECB2DDC1634}"/>
-                </a:ext>
-              </a:extLst>
-            </p:cNvPr>
-            <p:cNvSpPr/>
-            <p:nvPr/>
-          </p:nvSpPr>
-          <p:spPr>
-            <a:xfrm>
-              <a:off x="3442015" y="8072731"/>
-              <a:ext cx="82402" cy="82402"/>
-            </a:xfrm>
-            <a:prstGeom prst="ellipse">
-              <a:avLst/>
-            </a:prstGeom>
-            <a:solidFill>
-              <a:srgbClr val="862121"/>
-            </a:solidFill>
-            <a:ln>
-              <a:noFill/>
-            </a:ln>
-          </p:spPr>
-          <p:style>
-            <a:lnRef idx="2">
-              <a:schemeClr val="accent1">
-                <a:shade val="50000"/>
-              </a:schemeClr>
-            </a:lnRef>
-            <a:fillRef idx="1">
-              <a:schemeClr val="accent1"/>
-            </a:fillRef>
-            <a:effectRef idx="0">
-              <a:schemeClr val="accent1"/>
-            </a:effectRef>
-            <a:fontRef idx="minor">
-              <a:schemeClr val="lt1"/>
-            </a:fontRef>
-          </p:style>
-          <p:txBody>
-            <a:bodyPr rtlCol="0" anchor="ctr"/>
-            <a:lstStyle/>
-            <a:p>
-              <a:pPr algn="ctr"/>
-              <a:endParaRPr lang="it-IT"/>
-            </a:p>
-          </p:txBody>
-        </p:sp>
-        <p:sp>
-          <p:nvSpPr>
-            <p:cNvPr id="355" name="CasellaDiTesto 354">
-              <a:extLst>
-                <a:ext uri="{FF2B5EF4-FFF2-40B4-BE49-F238E27FC236}">
-                  <a16:creationId xmlns:a16="http://schemas.microsoft.com/office/drawing/2014/main" id="{28388973-C5B3-43C0-8C8F-152EDA15164E}"/>
-                </a:ext>
-              </a:extLst>
-            </p:cNvPr>
-            <p:cNvSpPr txBox="1"/>
-            <p:nvPr/>
-          </p:nvSpPr>
-          <p:spPr>
-            <a:xfrm>
-              <a:off x="3141980" y="8446679"/>
-              <a:ext cx="682473" cy="200055"/>
-            </a:xfrm>
-            <a:prstGeom prst="rect">
-              <a:avLst/>
-            </a:prstGeom>
-            <a:noFill/>
-          </p:spPr>
-          <p:txBody>
-            <a:bodyPr wrap="square" rtlCol="0">
-              <a:spAutoFit/>
-            </a:bodyPr>
-            <a:lstStyle/>
-            <a:p>
-              <a:pPr algn="ctr"/>
-              <a:r>
-                <a:rPr lang="it-IT" sz="700" dirty="0">
-                  <a:latin typeface="Montserrat Light" panose="00000400000000000000" pitchFamily="2" charset="0"/>
-                </a:rPr>
-                <a:t>2006 - 2011</a:t>
-              </a:r>
-            </a:p>
-          </p:txBody>
-        </p:sp>
-        <p:sp>
-          <p:nvSpPr>
-            <p:cNvPr id="356" name="CasellaDiTesto 355">
-              <a:extLst>
-                <a:ext uri="{FF2B5EF4-FFF2-40B4-BE49-F238E27FC236}">
-                  <a16:creationId xmlns:a16="http://schemas.microsoft.com/office/drawing/2014/main" id="{EC73329F-2942-44CE-AB5A-55CB5D48002B}"/>
-                </a:ext>
-              </a:extLst>
-            </p:cNvPr>
-            <p:cNvSpPr txBox="1"/>
-            <p:nvPr/>
-          </p:nvSpPr>
-          <p:spPr>
-            <a:xfrm>
-              <a:off x="2756060" y="8156915"/>
-              <a:ext cx="1454313" cy="369332"/>
-            </a:xfrm>
-            <a:prstGeom prst="rect">
-              <a:avLst/>
-            </a:prstGeom>
-            <a:noFill/>
-          </p:spPr>
-          <p:txBody>
-            <a:bodyPr wrap="square" rtlCol="0">
-              <a:spAutoFit/>
-            </a:bodyPr>
-            <a:lstStyle/>
-            <a:p>
-              <a:pPr algn="ctr"/>
-              <a:r>
-                <a:rPr lang="en-US" sz="900" dirty="0">
-                  <a:solidFill>
-                    <a:srgbClr val="5A5A5A"/>
-                  </a:solidFill>
-                  <a:latin typeface="Montserrat SemiBold" panose="00000700000000000000" pitchFamily="2" charset="0"/>
-                </a:rPr>
-                <a:t>Scientific High School</a:t>
-              </a:r>
-            </a:p>
-          </p:txBody>
-        </p:sp>
-        <p:sp>
-          <p:nvSpPr>
-            <p:cNvPr id="357" name="Google Shape;4016;p36">
-              <a:extLst>
-                <a:ext uri="{FF2B5EF4-FFF2-40B4-BE49-F238E27FC236}">
-                  <a16:creationId xmlns:a16="http://schemas.microsoft.com/office/drawing/2014/main" id="{CB8A7C55-C9A1-42EF-8EC4-D27AD29892DF}"/>
-                </a:ext>
-              </a:extLst>
-            </p:cNvPr>
-            <p:cNvSpPr/>
-            <p:nvPr/>
-          </p:nvSpPr>
-          <p:spPr>
-            <a:xfrm>
-              <a:off x="3446034" y="8759971"/>
-              <a:ext cx="74364" cy="103066"/>
-            </a:xfrm>
-            <a:custGeom>
-              <a:avLst/>
-              <a:gdLst/>
-              <a:ahLst/>
-              <a:cxnLst/>
-              <a:rect l="l" t="t" r="r" b="b"/>
-              <a:pathLst>
-                <a:path w="12426" h="17222" extrusionOk="0">
-                  <a:moveTo>
-                    <a:pt x="6213" y="3388"/>
-                  </a:moveTo>
-                  <a:cubicBezTo>
-                    <a:pt x="7354" y="3388"/>
-                    <a:pt x="8384" y="4074"/>
-                    <a:pt x="8821" y="5131"/>
-                  </a:cubicBezTo>
-                  <a:cubicBezTo>
-                    <a:pt x="9257" y="6185"/>
-                    <a:pt x="9016" y="7399"/>
-                    <a:pt x="8206" y="8206"/>
-                  </a:cubicBezTo>
-                  <a:cubicBezTo>
-                    <a:pt x="7666" y="8748"/>
-                    <a:pt x="6945" y="9035"/>
-                    <a:pt x="6210" y="9035"/>
-                  </a:cubicBezTo>
-                  <a:cubicBezTo>
-                    <a:pt x="5847" y="9035"/>
-                    <a:pt x="5481" y="8965"/>
-                    <a:pt x="5132" y="8820"/>
-                  </a:cubicBezTo>
-                  <a:cubicBezTo>
-                    <a:pt x="4075" y="8383"/>
-                    <a:pt x="3388" y="7354"/>
-                    <a:pt x="3388" y="6212"/>
-                  </a:cubicBezTo>
-                  <a:cubicBezTo>
-                    <a:pt x="3391" y="4652"/>
-                    <a:pt x="4653" y="3391"/>
-                    <a:pt x="6213" y="3388"/>
-                  </a:cubicBezTo>
-                  <a:close/>
-                  <a:moveTo>
-                    <a:pt x="6213" y="0"/>
-                  </a:moveTo>
-                  <a:cubicBezTo>
-                    <a:pt x="2825" y="0"/>
-                    <a:pt x="1" y="2728"/>
-                    <a:pt x="1" y="6212"/>
-                  </a:cubicBezTo>
-                  <a:cubicBezTo>
-                    <a:pt x="1" y="7537"/>
-                    <a:pt x="398" y="8718"/>
-                    <a:pt x="1163" y="9826"/>
-                  </a:cubicBezTo>
-                  <a:lnTo>
-                    <a:pt x="5737" y="16959"/>
-                  </a:lnTo>
-                  <a:cubicBezTo>
-                    <a:pt x="5847" y="17134"/>
-                    <a:pt x="6029" y="17221"/>
-                    <a:pt x="6211" y="17221"/>
-                  </a:cubicBezTo>
-                  <a:cubicBezTo>
-                    <a:pt x="6394" y="17221"/>
-                    <a:pt x="6576" y="17134"/>
-                    <a:pt x="6686" y="16959"/>
-                  </a:cubicBezTo>
-                  <a:lnTo>
-                    <a:pt x="11278" y="9802"/>
-                  </a:lnTo>
-                  <a:cubicBezTo>
-                    <a:pt x="12025" y="8751"/>
-                    <a:pt x="12425" y="7498"/>
-                    <a:pt x="12422" y="6212"/>
-                  </a:cubicBezTo>
-                  <a:cubicBezTo>
-                    <a:pt x="12422" y="2786"/>
-                    <a:pt x="9637" y="0"/>
-                    <a:pt x="6213" y="0"/>
-                  </a:cubicBezTo>
-                  <a:close/>
-                </a:path>
-              </a:pathLst>
-            </a:custGeom>
-            <a:solidFill>
-              <a:srgbClr val="A9ABAA"/>
-            </a:solidFill>
-            <a:ln>
-              <a:noFill/>
-            </a:ln>
-          </p:spPr>
-          <p:txBody>
-            <a:bodyPr spcFirstLastPara="1" wrap="square" lIns="91425" tIns="91425" rIns="91425" bIns="91425" anchor="ctr" anchorCtr="0">
-              <a:noAutofit/>
-            </a:bodyPr>
-            <a:lstStyle/>
-            <a:p>
-              <a:pPr marL="0" lvl="0" indent="0" algn="ctr" rtl="0">
-                <a:spcBef>
-                  <a:spcPts val="0"/>
-                </a:spcBef>
-                <a:spcAft>
-                  <a:spcPts val="0"/>
-                </a:spcAft>
-                <a:buNone/>
-              </a:pPr>
-              <a:endParaRPr sz="1400">
-                <a:solidFill>
-                  <a:srgbClr val="435D74"/>
-                </a:solidFill>
-              </a:endParaRPr>
-            </a:p>
-          </p:txBody>
-        </p:sp>
-        <p:sp>
-          <p:nvSpPr>
-            <p:cNvPr id="358" name="CasellaDiTesto 357">
-              <a:extLst>
-                <a:ext uri="{FF2B5EF4-FFF2-40B4-BE49-F238E27FC236}">
-                  <a16:creationId xmlns:a16="http://schemas.microsoft.com/office/drawing/2014/main" id="{AA97A76A-2B55-4B67-B557-8650964A9DF6}"/>
-                </a:ext>
-              </a:extLst>
-            </p:cNvPr>
-            <p:cNvSpPr txBox="1"/>
-            <p:nvPr/>
-          </p:nvSpPr>
-          <p:spPr>
-            <a:xfrm>
-              <a:off x="2789665" y="8869522"/>
-              <a:ext cx="1385276" cy="200055"/>
-            </a:xfrm>
-            <a:prstGeom prst="rect">
-              <a:avLst/>
-            </a:prstGeom>
-            <a:noFill/>
-          </p:spPr>
-          <p:txBody>
-            <a:bodyPr wrap="square" rtlCol="0">
-              <a:spAutoFit/>
-            </a:bodyPr>
-            <a:lstStyle/>
-            <a:p>
-              <a:pPr algn="ctr"/>
-              <a:r>
-                <a:rPr lang="it-IT" sz="700" dirty="0">
-                  <a:solidFill>
-                    <a:srgbClr val="A9ABAA"/>
-                  </a:solidFill>
-                  <a:latin typeface="Montserrat Light" panose="00000400000000000000" pitchFamily="2" charset="0"/>
-                </a:rPr>
-                <a:t>High School – E. Fermi </a:t>
-              </a:r>
-            </a:p>
-          </p:txBody>
-        </p:sp>
-      </p:grpSp>
-      <p:cxnSp>
-        <p:nvCxnSpPr>
-          <p:cNvPr id="359" name="Connettore diritto 358">
-            <a:extLst>
-              <a:ext uri="{FF2B5EF4-FFF2-40B4-BE49-F238E27FC236}">
-                <a16:creationId xmlns:a16="http://schemas.microsoft.com/office/drawing/2014/main" id="{8E61B273-6EB7-4E09-B8D1-0F355D59EB91}"/>
-              </a:ext>
-            </a:extLst>
-          </p:cNvPr>
-          <p:cNvCxnSpPr>
-            <a:cxnSpLocks/>
-            <a:stCxn id="354" idx="2"/>
-            <a:endCxn id="304" idx="6"/>
-          </p:cNvCxnSpPr>
-          <p:nvPr/>
-        </p:nvCxnSpPr>
-        <p:spPr>
-          <a:xfrm flipH="1">
-            <a:off x="3309937" y="8148678"/>
-            <a:ext cx="2798310" cy="0"/>
-          </a:xfrm>
-          <a:prstGeom prst="line">
-            <a:avLst/>
-          </a:prstGeom>
-          <a:ln w="9525">
-            <a:solidFill>
-              <a:srgbClr val="C9C9C9"/>
-            </a:solidFill>
-            <a:prstDash val="sysDot"/>
-          </a:ln>
-        </p:spPr>
-        <p:style>
-          <a:lnRef idx="1">
-            <a:schemeClr val="accent1"/>
-          </a:lnRef>
-          <a:fillRef idx="0">
-            <a:schemeClr val="accent1"/>
-          </a:fillRef>
-          <a:effectRef idx="0">
-            <a:schemeClr val="accent1"/>
-          </a:effectRef>
-          <a:fontRef idx="minor">
-            <a:schemeClr val="tx1"/>
-          </a:fontRef>
-        </p:style>
-      </p:cxnSp>
-      <p:grpSp>
-        <p:nvGrpSpPr>
-          <p:cNvPr id="347" name="Gruppo 346">
-            <a:extLst>
-              <a:ext uri="{FF2B5EF4-FFF2-40B4-BE49-F238E27FC236}">
-                <a16:creationId xmlns:a16="http://schemas.microsoft.com/office/drawing/2014/main" id="{E94B6D17-36F8-44FA-8EAD-8CF718958E98}"/>
-              </a:ext>
-            </a:extLst>
-          </p:cNvPr>
-          <p:cNvGrpSpPr/>
-          <p:nvPr/>
-        </p:nvGrpSpPr>
-        <p:grpSpPr>
-          <a:xfrm>
-            <a:off x="3836999" y="8107477"/>
-            <a:ext cx="1759730" cy="996846"/>
-            <a:chOff x="2611123" y="8072731"/>
-            <a:chExt cx="1759730" cy="996846"/>
-          </a:xfrm>
-        </p:grpSpPr>
-        <p:sp>
-          <p:nvSpPr>
-            <p:cNvPr id="349" name="CasellaDiTesto 348">
-              <a:extLst>
-                <a:ext uri="{FF2B5EF4-FFF2-40B4-BE49-F238E27FC236}">
-                  <a16:creationId xmlns:a16="http://schemas.microsoft.com/office/drawing/2014/main" id="{3CC65073-A3B5-4600-A293-2BC36340AC23}"/>
-                </a:ext>
-              </a:extLst>
-            </p:cNvPr>
-            <p:cNvSpPr txBox="1"/>
-            <p:nvPr/>
-          </p:nvSpPr>
-          <p:spPr>
-            <a:xfrm>
-              <a:off x="3141980" y="8446679"/>
-              <a:ext cx="682473" cy="200055"/>
-            </a:xfrm>
-            <a:prstGeom prst="rect">
-              <a:avLst/>
-            </a:prstGeom>
-            <a:noFill/>
-          </p:spPr>
-          <p:txBody>
-            <a:bodyPr wrap="square" rtlCol="0">
-              <a:spAutoFit/>
-            </a:bodyPr>
-            <a:lstStyle/>
-            <a:p>
-              <a:pPr algn="ctr"/>
-              <a:r>
-                <a:rPr lang="it-IT" sz="700" dirty="0">
-                  <a:latin typeface="Montserrat Light" panose="00000400000000000000" pitchFamily="2" charset="0"/>
-                </a:rPr>
-                <a:t>2011 - 2014</a:t>
-              </a:r>
-            </a:p>
-          </p:txBody>
-        </p:sp>
-        <p:sp>
-          <p:nvSpPr>
-            <p:cNvPr id="350" name="CasellaDiTesto 349">
-              <a:extLst>
-                <a:ext uri="{FF2B5EF4-FFF2-40B4-BE49-F238E27FC236}">
-                  <a16:creationId xmlns:a16="http://schemas.microsoft.com/office/drawing/2014/main" id="{2380E90D-CC1E-41C0-BAC0-3891976A76E8}"/>
-                </a:ext>
-              </a:extLst>
-            </p:cNvPr>
-            <p:cNvSpPr txBox="1"/>
-            <p:nvPr/>
-          </p:nvSpPr>
-          <p:spPr>
-            <a:xfrm>
-              <a:off x="2611123" y="8163595"/>
-              <a:ext cx="1759730" cy="369332"/>
-            </a:xfrm>
-            <a:prstGeom prst="rect">
-              <a:avLst/>
-            </a:prstGeom>
-            <a:noFill/>
-          </p:spPr>
-          <p:txBody>
-            <a:bodyPr wrap="square" rtlCol="0">
-              <a:spAutoFit/>
-            </a:bodyPr>
-            <a:lstStyle/>
-            <a:p>
-              <a:pPr algn="ctr"/>
-              <a:r>
-                <a:rPr lang="en-US" sz="900" dirty="0">
-                  <a:solidFill>
-                    <a:srgbClr val="5A5A5A"/>
-                  </a:solidFill>
-                  <a:latin typeface="Montserrat SemiBold" panose="00000700000000000000" pitchFamily="2" charset="0"/>
-                </a:rPr>
-                <a:t>Bachelor in Marketing and Business Administration</a:t>
-              </a:r>
-            </a:p>
-          </p:txBody>
-        </p:sp>
-        <p:sp>
-          <p:nvSpPr>
-            <p:cNvPr id="351" name="Google Shape;4016;p36">
-              <a:extLst>
-                <a:ext uri="{FF2B5EF4-FFF2-40B4-BE49-F238E27FC236}">
-                  <a16:creationId xmlns:a16="http://schemas.microsoft.com/office/drawing/2014/main" id="{E877EA4E-0913-40FC-9375-7BB0CDC08DCF}"/>
-                </a:ext>
-              </a:extLst>
-            </p:cNvPr>
-            <p:cNvSpPr/>
-            <p:nvPr/>
-          </p:nvSpPr>
-          <p:spPr>
-            <a:xfrm>
-              <a:off x="3446034" y="8759971"/>
-              <a:ext cx="74364" cy="103066"/>
-            </a:xfrm>
-            <a:custGeom>
-              <a:avLst/>
-              <a:gdLst/>
-              <a:ahLst/>
-              <a:cxnLst/>
-              <a:rect l="l" t="t" r="r" b="b"/>
-              <a:pathLst>
-                <a:path w="12426" h="17222" extrusionOk="0">
-                  <a:moveTo>
-                    <a:pt x="6213" y="3388"/>
-                  </a:moveTo>
-                  <a:cubicBezTo>
-                    <a:pt x="7354" y="3388"/>
-                    <a:pt x="8384" y="4074"/>
-                    <a:pt x="8821" y="5131"/>
-                  </a:cubicBezTo>
-                  <a:cubicBezTo>
-                    <a:pt x="9257" y="6185"/>
-                    <a:pt x="9016" y="7399"/>
-                    <a:pt x="8206" y="8206"/>
-                  </a:cubicBezTo>
-                  <a:cubicBezTo>
-                    <a:pt x="7666" y="8748"/>
-                    <a:pt x="6945" y="9035"/>
-                    <a:pt x="6210" y="9035"/>
-                  </a:cubicBezTo>
-                  <a:cubicBezTo>
-                    <a:pt x="5847" y="9035"/>
-                    <a:pt x="5481" y="8965"/>
-                    <a:pt x="5132" y="8820"/>
-                  </a:cubicBezTo>
-                  <a:cubicBezTo>
-                    <a:pt x="4075" y="8383"/>
-                    <a:pt x="3388" y="7354"/>
-                    <a:pt x="3388" y="6212"/>
-                  </a:cubicBezTo>
-                  <a:cubicBezTo>
-                    <a:pt x="3391" y="4652"/>
-                    <a:pt x="4653" y="3391"/>
-                    <a:pt x="6213" y="3388"/>
-                  </a:cubicBezTo>
-                  <a:close/>
-                  <a:moveTo>
-                    <a:pt x="6213" y="0"/>
-                  </a:moveTo>
-                  <a:cubicBezTo>
-                    <a:pt x="2825" y="0"/>
-                    <a:pt x="1" y="2728"/>
-                    <a:pt x="1" y="6212"/>
-                  </a:cubicBezTo>
-                  <a:cubicBezTo>
-                    <a:pt x="1" y="7537"/>
-                    <a:pt x="398" y="8718"/>
-                    <a:pt x="1163" y="9826"/>
-                  </a:cubicBezTo>
-                  <a:lnTo>
-                    <a:pt x="5737" y="16959"/>
-                  </a:lnTo>
-                  <a:cubicBezTo>
-                    <a:pt x="5847" y="17134"/>
-                    <a:pt x="6029" y="17221"/>
-                    <a:pt x="6211" y="17221"/>
-                  </a:cubicBezTo>
-                  <a:cubicBezTo>
-                    <a:pt x="6394" y="17221"/>
-                    <a:pt x="6576" y="17134"/>
-                    <a:pt x="6686" y="16959"/>
-                  </a:cubicBezTo>
-                  <a:lnTo>
-                    <a:pt x="11278" y="9802"/>
-                  </a:lnTo>
-                  <a:cubicBezTo>
-                    <a:pt x="12025" y="8751"/>
-                    <a:pt x="12425" y="7498"/>
-                    <a:pt x="12422" y="6212"/>
-                  </a:cubicBezTo>
-                  <a:cubicBezTo>
-                    <a:pt x="12422" y="2786"/>
-                    <a:pt x="9637" y="0"/>
-                    <a:pt x="6213" y="0"/>
-                  </a:cubicBezTo>
-                  <a:close/>
-                </a:path>
-              </a:pathLst>
-            </a:custGeom>
-            <a:solidFill>
-              <a:srgbClr val="A9ABAA"/>
-            </a:solidFill>
-            <a:ln>
-              <a:noFill/>
-            </a:ln>
-          </p:spPr>
-          <p:txBody>
-            <a:bodyPr spcFirstLastPara="1" wrap="square" lIns="91425" tIns="91425" rIns="91425" bIns="91425" anchor="ctr" anchorCtr="0">
-              <a:noAutofit/>
-            </a:bodyPr>
-            <a:lstStyle/>
-            <a:p>
-              <a:pPr marL="0" lvl="0" indent="0" algn="ctr" rtl="0">
-                <a:spcBef>
-                  <a:spcPts val="0"/>
-                </a:spcBef>
-                <a:spcAft>
-                  <a:spcPts val="0"/>
-                </a:spcAft>
-                <a:buNone/>
-              </a:pPr>
-              <a:endParaRPr sz="1400">
-                <a:solidFill>
-                  <a:srgbClr val="435D74"/>
-                </a:solidFill>
-              </a:endParaRPr>
-            </a:p>
-          </p:txBody>
-        </p:sp>
-        <p:sp>
-          <p:nvSpPr>
-            <p:cNvPr id="352" name="CasellaDiTesto 351">
-              <a:extLst>
-                <a:ext uri="{FF2B5EF4-FFF2-40B4-BE49-F238E27FC236}">
-                  <a16:creationId xmlns:a16="http://schemas.microsoft.com/office/drawing/2014/main" id="{8A56892E-9962-4813-B875-687C552B5CE9}"/>
-                </a:ext>
-              </a:extLst>
-            </p:cNvPr>
-            <p:cNvSpPr txBox="1"/>
-            <p:nvPr/>
-          </p:nvSpPr>
-          <p:spPr>
-            <a:xfrm>
-              <a:off x="2890832" y="8869522"/>
-              <a:ext cx="1200312" cy="200055"/>
-            </a:xfrm>
-            <a:prstGeom prst="rect">
-              <a:avLst/>
-            </a:prstGeom>
-            <a:noFill/>
-          </p:spPr>
-          <p:txBody>
-            <a:bodyPr wrap="square" rtlCol="0">
-              <a:spAutoFit/>
-            </a:bodyPr>
-            <a:lstStyle/>
-            <a:p>
-              <a:pPr algn="ctr"/>
-              <a:r>
-                <a:rPr lang="it-IT" sz="700" dirty="0">
-                  <a:solidFill>
-                    <a:srgbClr val="A9ABAA"/>
-                  </a:solidFill>
-                  <a:latin typeface="Montserrat Light" panose="00000400000000000000" pitchFamily="2" charset="0"/>
-                </a:rPr>
-                <a:t>Uniba - Economics</a:t>
-              </a:r>
-            </a:p>
-          </p:txBody>
-        </p:sp>
-        <p:sp>
-          <p:nvSpPr>
-            <p:cNvPr id="348" name="Ovale 347">
-              <a:extLst>
-                <a:ext uri="{FF2B5EF4-FFF2-40B4-BE49-F238E27FC236}">
-                  <a16:creationId xmlns:a16="http://schemas.microsoft.com/office/drawing/2014/main" id="{E4CF0D8E-1D4D-4F40-9A62-02605FB88DDD}"/>
-                </a:ext>
-              </a:extLst>
-            </p:cNvPr>
-            <p:cNvSpPr/>
-            <p:nvPr/>
-          </p:nvSpPr>
-          <p:spPr>
-            <a:xfrm>
-              <a:off x="3442015" y="8072731"/>
-              <a:ext cx="82402" cy="82402"/>
-            </a:xfrm>
-            <a:prstGeom prst="ellipse">
-              <a:avLst/>
-            </a:prstGeom>
-            <a:solidFill>
-              <a:srgbClr val="862121"/>
-            </a:solidFill>
-            <a:ln>
-              <a:noFill/>
-            </a:ln>
-          </p:spPr>
-          <p:style>
-            <a:lnRef idx="2">
-              <a:schemeClr val="accent1">
-                <a:shade val="50000"/>
-              </a:schemeClr>
-            </a:lnRef>
-            <a:fillRef idx="1">
-              <a:schemeClr val="accent1"/>
-            </a:fillRef>
-            <a:effectRef idx="0">
-              <a:schemeClr val="accent1"/>
-            </a:effectRef>
-            <a:fontRef idx="minor">
-              <a:schemeClr val="lt1"/>
-            </a:fontRef>
-          </p:style>
-          <p:txBody>
-            <a:bodyPr rtlCol="0" anchor="ctr"/>
-            <a:lstStyle/>
-            <a:p>
-              <a:pPr algn="ctr"/>
-              <a:endParaRPr lang="it-IT"/>
-            </a:p>
-          </p:txBody>
-        </p:sp>
-      </p:grpSp>
       <p:cxnSp>
         <p:nvCxnSpPr>
           <p:cNvPr id="366" name="Connettore diritto 365">
@@ -14482,7 +13471,7 @@
         </p:nvCxnSpPr>
         <p:spPr>
           <a:xfrm>
-            <a:off x="2852738" y="9161446"/>
+            <a:off x="2852738" y="9347201"/>
             <a:ext cx="3756580" cy="0"/>
           </a:xfrm>
           <a:prstGeom prst="line">
@@ -14973,7 +13962,7 @@
         </p:nvGrpSpPr>
         <p:grpSpPr>
           <a:xfrm>
-            <a:off x="3747046" y="863140"/>
+            <a:off x="3747046" y="748828"/>
             <a:ext cx="790316" cy="63589"/>
             <a:chOff x="3322013" y="2620872"/>
             <a:chExt cx="790316" cy="63589"/>
@@ -15358,7 +14347,7 @@
         </p:nvGrpSpPr>
         <p:grpSpPr>
           <a:xfrm>
-            <a:off x="3747046" y="1043542"/>
+            <a:off x="3747046" y="929230"/>
             <a:ext cx="790316" cy="63589"/>
             <a:chOff x="3322013" y="2620872"/>
             <a:chExt cx="790316" cy="63589"/>
@@ -15743,7 +14732,7 @@
         </p:nvGrpSpPr>
         <p:grpSpPr>
           <a:xfrm>
-            <a:off x="3747046" y="1223944"/>
+            <a:off x="3747046" y="1109632"/>
             <a:ext cx="790316" cy="63589"/>
             <a:chOff x="3322013" y="2620872"/>
             <a:chExt cx="790316" cy="63589"/>
@@ -16128,7 +15117,7 @@
         </p:nvGrpSpPr>
         <p:grpSpPr>
           <a:xfrm>
-            <a:off x="3747046" y="1404346"/>
+            <a:off x="3747046" y="1290034"/>
             <a:ext cx="790316" cy="63589"/>
             <a:chOff x="3322013" y="2620872"/>
             <a:chExt cx="790316" cy="63589"/>
@@ -16513,7 +15502,7 @@
         </p:nvGrpSpPr>
         <p:grpSpPr>
           <a:xfrm>
-            <a:off x="3747046" y="1584747"/>
+            <a:off x="3747046" y="1470435"/>
             <a:ext cx="790316" cy="63589"/>
             <a:chOff x="3322013" y="2620872"/>
             <a:chExt cx="790316" cy="63589"/>
@@ -16898,7 +15887,7 @@
         </p:nvSpPr>
         <p:spPr>
           <a:xfrm>
-            <a:off x="5948210" y="742620"/>
+            <a:off x="5948210" y="628308"/>
             <a:ext cx="547956" cy="256224"/>
           </a:xfrm>
           <a:prstGeom prst="rect">
@@ -16940,7 +15929,7 @@
         </p:nvSpPr>
         <p:spPr>
           <a:xfrm>
-            <a:off x="4811785" y="1472209"/>
+            <a:off x="4811785" y="1357897"/>
             <a:ext cx="751728" cy="256224"/>
           </a:xfrm>
           <a:prstGeom prst="rect">
@@ -16982,7 +15971,7 @@
         </p:nvSpPr>
         <p:spPr>
           <a:xfrm>
-            <a:off x="5775282" y="1455471"/>
+            <a:off x="5775282" y="1341159"/>
             <a:ext cx="893812" cy="256224"/>
           </a:xfrm>
           <a:prstGeom prst="rect">
@@ -17027,7 +16016,7 @@
         </p:nvSpPr>
         <p:spPr>
           <a:xfrm>
-            <a:off x="5092964" y="1017120"/>
+            <a:off x="5092964" y="902808"/>
             <a:ext cx="197313" cy="194932"/>
           </a:xfrm>
           <a:custGeom>
@@ -17335,7 +16324,7 @@
         </p:nvGrpSpPr>
         <p:grpSpPr>
           <a:xfrm>
-            <a:off x="6120354" y="1011303"/>
+            <a:off x="6120354" y="896991"/>
             <a:ext cx="203668" cy="210412"/>
             <a:chOff x="-62148000" y="1930075"/>
             <a:chExt cx="309550" cy="319800"/>
@@ -17859,7 +16848,7 @@
         </p:nvSpPr>
         <p:spPr>
           <a:xfrm>
-            <a:off x="5105119" y="1329580"/>
+            <a:off x="5105119" y="1215268"/>
             <a:ext cx="187367" cy="175655"/>
           </a:xfrm>
           <a:custGeom>
@@ -18103,7 +17092,7 @@
         </p:nvGrpSpPr>
         <p:grpSpPr>
           <a:xfrm>
-            <a:off x="6126248" y="1317175"/>
+            <a:off x="6126248" y="1202863"/>
             <a:ext cx="199388" cy="169105"/>
             <a:chOff x="-46033225" y="1982825"/>
             <a:chExt cx="300900" cy="263900"/>
@@ -18578,8 +17567,8 @@
         </p:nvSpPr>
         <p:spPr>
           <a:xfrm>
-            <a:off x="2852738" y="9233024"/>
-            <a:ext cx="3756580" cy="584775"/>
+            <a:off x="2852738" y="9418779"/>
+            <a:ext cx="3756580" cy="415498"/>
           </a:xfrm>
           <a:prstGeom prst="rect">
             <a:avLst/>
@@ -18594,7 +17583,7 @@
           <a:p>
             <a:pPr algn="just"/>
             <a:r>
-              <a:rPr lang="en-US" sz="800" spc="-5" dirty="0">
+              <a:rPr lang="en-US" sz="700" spc="-5" dirty="0">
                 <a:solidFill>
                   <a:srgbClr val="000000"/>
                 </a:solidFill>
@@ -18604,7 +17593,7 @@
               <a:t>I</a:t>
             </a:r>
             <a:r>
-              <a:rPr lang="en-US" sz="800" spc="-75" dirty="0">
+              <a:rPr lang="en-US" sz="700" spc="-75" dirty="0">
                 <a:solidFill>
                   <a:srgbClr val="000000"/>
                 </a:solidFill>
@@ -18614,7 +17603,7 @@
               <a:t> </a:t>
             </a:r>
             <a:r>
-              <a:rPr lang="en-US" sz="800" spc="-10" dirty="0">
+              <a:rPr lang="en-US" sz="700" spc="-10" dirty="0">
                 <a:solidFill>
                   <a:srgbClr val="000000"/>
                 </a:solidFill>
@@ -18624,7 +17613,7 @@
               <a:t>hereby</a:t>
             </a:r>
             <a:r>
-              <a:rPr lang="en-US" sz="800" spc="-75" dirty="0">
+              <a:rPr lang="en-US" sz="700" spc="-75" dirty="0">
                 <a:solidFill>
                   <a:srgbClr val="000000"/>
                 </a:solidFill>
@@ -18634,7 +17623,7 @@
               <a:t> </a:t>
             </a:r>
             <a:r>
-              <a:rPr lang="en-US" sz="800" spc="-5" dirty="0">
+              <a:rPr lang="en-US" sz="700" spc="-5" dirty="0">
                 <a:solidFill>
                   <a:srgbClr val="000000"/>
                 </a:solidFill>
@@ -18644,7 +17633,7 @@
               <a:t>authorize</a:t>
             </a:r>
             <a:r>
-              <a:rPr lang="en-US" sz="800" spc="-75" dirty="0">
+              <a:rPr lang="en-US" sz="700" spc="-75" dirty="0">
                 <a:solidFill>
                   <a:srgbClr val="000000"/>
                 </a:solidFill>
@@ -18654,7 +17643,7 @@
               <a:t> </a:t>
             </a:r>
             <a:r>
-              <a:rPr lang="en-US" sz="800" spc="-10" dirty="0">
+              <a:rPr lang="en-US" sz="700" spc="-10" dirty="0">
                 <a:solidFill>
                   <a:srgbClr val="000000"/>
                 </a:solidFill>
@@ -18664,7 +17653,7 @@
               <a:t>the</a:t>
             </a:r>
             <a:r>
-              <a:rPr lang="en-US" sz="800" spc="-75" dirty="0">
+              <a:rPr lang="en-US" sz="700" spc="-75" dirty="0">
                 <a:solidFill>
                   <a:srgbClr val="000000"/>
                 </a:solidFill>
@@ -18674,7 +17663,7 @@
               <a:t> </a:t>
             </a:r>
             <a:r>
-              <a:rPr lang="en-US" sz="800" spc="-5" dirty="0">
+              <a:rPr lang="en-US" sz="700" spc="-5" dirty="0">
                 <a:solidFill>
                   <a:srgbClr val="000000"/>
                 </a:solidFill>
@@ -18684,7 +17673,7 @@
               <a:t>use</a:t>
             </a:r>
             <a:r>
-              <a:rPr lang="en-US" sz="800" spc="-75" dirty="0">
+              <a:rPr lang="en-US" sz="700" spc="-75" dirty="0">
                 <a:solidFill>
                   <a:srgbClr val="000000"/>
                 </a:solidFill>
@@ -18694,7 +17683,7 @@
               <a:t> </a:t>
             </a:r>
             <a:r>
-              <a:rPr lang="en-US" sz="800" spc="-5" dirty="0">
+              <a:rPr lang="en-US" sz="700" spc="-5" dirty="0">
                 <a:solidFill>
                   <a:srgbClr val="000000"/>
                 </a:solidFill>
@@ -18704,7 +17693,7 @@
               <a:t>of</a:t>
             </a:r>
             <a:r>
-              <a:rPr lang="en-US" sz="800" spc="-75" dirty="0">
+              <a:rPr lang="en-US" sz="700" spc="-75" dirty="0">
                 <a:solidFill>
                   <a:srgbClr val="000000"/>
                 </a:solidFill>
@@ -18714,7 +17703,7 @@
               <a:t> </a:t>
             </a:r>
             <a:r>
-              <a:rPr lang="en-US" sz="800" spc="-20" dirty="0">
+              <a:rPr lang="en-US" sz="700" spc="-20" dirty="0">
                 <a:solidFill>
                   <a:srgbClr val="000000"/>
                 </a:solidFill>
@@ -18724,7 +17713,7 @@
               <a:t>my</a:t>
             </a:r>
             <a:r>
-              <a:rPr lang="en-US" sz="800" spc="-75" dirty="0">
+              <a:rPr lang="en-US" sz="700" spc="-75" dirty="0">
                 <a:solidFill>
                   <a:srgbClr val="000000"/>
                 </a:solidFill>
@@ -18734,7 +17723,7 @@
               <a:t> </a:t>
             </a:r>
             <a:r>
-              <a:rPr lang="en-US" sz="800" spc="-5" dirty="0">
+              <a:rPr lang="en-US" sz="700" spc="-5" dirty="0">
                 <a:solidFill>
                   <a:srgbClr val="000000"/>
                 </a:solidFill>
@@ -18744,7 +17733,7 @@
               <a:t>personal</a:t>
             </a:r>
             <a:r>
-              <a:rPr lang="en-US" sz="800" spc="-75" dirty="0">
+              <a:rPr lang="en-US" sz="700" spc="-75" dirty="0">
                 <a:solidFill>
                   <a:srgbClr val="000000"/>
                 </a:solidFill>
@@ -18754,7 +17743,7 @@
               <a:t> </a:t>
             </a:r>
             <a:r>
-              <a:rPr lang="en-US" sz="800" spc="-10" dirty="0">
+              <a:rPr lang="en-US" sz="700" spc="-10" dirty="0">
                 <a:solidFill>
                   <a:srgbClr val="000000"/>
                 </a:solidFill>
@@ -18764,7 +17753,7 @@
               <a:t>details</a:t>
             </a:r>
             <a:r>
-              <a:rPr lang="en-US" sz="800" spc="-75" dirty="0">
+              <a:rPr lang="en-US" sz="700" spc="-75" dirty="0">
                 <a:solidFill>
                   <a:srgbClr val="000000"/>
                 </a:solidFill>
@@ -18774,7 +17763,7 @@
               <a:t> </a:t>
             </a:r>
             <a:r>
-              <a:rPr lang="en-US" sz="800" spc="-5" dirty="0">
+              <a:rPr lang="en-US" sz="700" spc="-5" dirty="0">
                 <a:solidFill>
                   <a:srgbClr val="000000"/>
                 </a:solidFill>
@@ -18784,7 +17773,7 @@
               <a:t>solely</a:t>
             </a:r>
             <a:r>
-              <a:rPr lang="en-US" sz="800" spc="-75" dirty="0">
+              <a:rPr lang="en-US" sz="700" spc="-75" dirty="0">
                 <a:solidFill>
                   <a:srgbClr val="000000"/>
                 </a:solidFill>
@@ -18794,7 +17783,7 @@
               <a:t> </a:t>
             </a:r>
             <a:r>
-              <a:rPr lang="en-US" sz="800" spc="-10" dirty="0">
+              <a:rPr lang="en-US" sz="700" spc="-10" dirty="0">
                 <a:solidFill>
                   <a:srgbClr val="000000"/>
                 </a:solidFill>
@@ -18804,7 +17793,7 @@
               <a:t>for</a:t>
             </a:r>
             <a:r>
-              <a:rPr lang="en-US" sz="800" spc="-75" dirty="0">
+              <a:rPr lang="en-US" sz="700" spc="-75" dirty="0">
                 <a:solidFill>
                   <a:srgbClr val="000000"/>
                 </a:solidFill>
@@ -18814,7 +17803,7 @@
               <a:t> </a:t>
             </a:r>
             <a:r>
-              <a:rPr lang="en-US" sz="800" spc="-5" dirty="0">
+              <a:rPr lang="en-US" sz="700" spc="-5" dirty="0">
                 <a:solidFill>
                   <a:srgbClr val="000000"/>
                 </a:solidFill>
@@ -18824,7 +17813,7 @@
               <a:t>circulation</a:t>
             </a:r>
             <a:r>
-              <a:rPr lang="en-US" sz="800" spc="-75" dirty="0">
+              <a:rPr lang="en-US" sz="700" spc="-75" dirty="0">
                 <a:solidFill>
                   <a:srgbClr val="000000"/>
                 </a:solidFill>
@@ -18834,7 +17823,7 @@
               <a:t> </a:t>
             </a:r>
             <a:r>
-              <a:rPr lang="en-US" sz="800" spc="-5" dirty="0">
+              <a:rPr lang="en-US" sz="700" spc="-5" dirty="0">
                 <a:solidFill>
                   <a:srgbClr val="000000"/>
                 </a:solidFill>
@@ -18844,7 +17833,7 @@
               <a:t>within</a:t>
             </a:r>
             <a:r>
-              <a:rPr lang="en-US" sz="800" spc="-75" dirty="0">
+              <a:rPr lang="en-US" sz="700" spc="-75" dirty="0">
                 <a:solidFill>
                   <a:srgbClr val="000000"/>
                 </a:solidFill>
@@ -18854,7 +17843,7 @@
               <a:t> </a:t>
             </a:r>
             <a:r>
-              <a:rPr lang="en-US" sz="800" spc="-10" dirty="0">
+              <a:rPr lang="en-US" sz="700" spc="-10" dirty="0">
                 <a:solidFill>
                   <a:srgbClr val="000000"/>
                 </a:solidFill>
@@ -18864,7 +17853,7 @@
               <a:t>the</a:t>
             </a:r>
             <a:r>
-              <a:rPr lang="en-US" sz="800" spc="-70" dirty="0">
+              <a:rPr lang="en-US" sz="700" spc="-70" dirty="0">
                 <a:solidFill>
                   <a:srgbClr val="000000"/>
                 </a:solidFill>
@@ -18874,7 +17863,7 @@
               <a:t> </a:t>
             </a:r>
             <a:r>
-              <a:rPr lang="en-US" sz="800" spc="-10" dirty="0">
+              <a:rPr lang="en-US" sz="700" spc="-10" dirty="0">
                 <a:solidFill>
                   <a:srgbClr val="000000"/>
                 </a:solidFill>
@@ -18884,7 +17873,7 @@
               <a:t>company  </a:t>
             </a:r>
             <a:r>
-              <a:rPr lang="en-US" sz="800" spc="-5" dirty="0">
+              <a:rPr lang="en-US" sz="700" spc="-5" dirty="0">
                 <a:solidFill>
                   <a:srgbClr val="000000"/>
                 </a:solidFill>
@@ -18894,7 +17883,7 @@
               <a:t>according </a:t>
             </a:r>
             <a:r>
-              <a:rPr lang="en-US" sz="800" spc="-15" dirty="0">
+              <a:rPr lang="en-US" sz="700" spc="-15" dirty="0">
                 <a:solidFill>
                   <a:srgbClr val="000000"/>
                 </a:solidFill>
@@ -18904,7 +17893,7 @@
               <a:t>to </a:t>
             </a:r>
             <a:r>
-              <a:rPr lang="en-US" sz="800" spc="-10" dirty="0">
+              <a:rPr lang="en-US" sz="700" spc="-10" dirty="0">
                 <a:solidFill>
                   <a:srgbClr val="000000"/>
                 </a:solidFill>
@@ -18914,7 +17903,7 @@
               <a:t>the </a:t>
             </a:r>
             <a:r>
-              <a:rPr lang="en-US" sz="800" spc="-5" dirty="0">
+              <a:rPr lang="en-US" sz="700" spc="-5" dirty="0">
                 <a:solidFill>
                   <a:srgbClr val="000000"/>
                 </a:solidFill>
@@ -18924,7 +17913,7 @@
               <a:t>GDPR and </a:t>
             </a:r>
             <a:r>
-              <a:rPr lang="en-US" sz="800" spc="-10" dirty="0">
+              <a:rPr lang="en-US" sz="700" spc="-10" dirty="0">
                 <a:solidFill>
                   <a:srgbClr val="000000"/>
                 </a:solidFill>
@@ -18934,7 +17923,7 @@
               <a:t>the </a:t>
             </a:r>
             <a:r>
-              <a:rPr lang="en-US" sz="800" spc="-5" dirty="0">
+              <a:rPr lang="en-US" sz="700" spc="-5" dirty="0">
                 <a:solidFill>
                   <a:srgbClr val="000000"/>
                 </a:solidFill>
@@ -18944,7 +17933,7 @@
               <a:t>Italian Legislative Decree n° 196/2003. I declare </a:t>
             </a:r>
             <a:r>
-              <a:rPr lang="en-US" sz="800" spc="-10" dirty="0">
+              <a:rPr lang="en-US" sz="700" spc="-10" dirty="0">
                 <a:solidFill>
                   <a:srgbClr val="000000"/>
                 </a:solidFill>
@@ -18954,7 +17943,7 @@
               <a:t>that  the </a:t>
             </a:r>
             <a:r>
-              <a:rPr lang="en-US" sz="800" spc="-15" dirty="0">
+              <a:rPr lang="en-US" sz="700" spc="-15" dirty="0">
                 <a:solidFill>
                   <a:srgbClr val="000000"/>
                 </a:solidFill>
@@ -18964,7 +17953,7 @@
               <a:t>above </a:t>
             </a:r>
             <a:r>
-              <a:rPr lang="en-US" sz="800" spc="-5" dirty="0">
+              <a:rPr lang="en-US" sz="700" spc="-5" dirty="0">
                 <a:solidFill>
                   <a:srgbClr val="000000"/>
                 </a:solidFill>
@@ -18974,7 +17963,7 @@
               <a:t>furnished </a:t>
             </a:r>
             <a:r>
-              <a:rPr lang="en-US" sz="800" spc="-10" dirty="0">
+              <a:rPr lang="en-US" sz="700" spc="-10" dirty="0">
                 <a:solidFill>
                   <a:srgbClr val="000000"/>
                 </a:solidFill>
@@ -18984,7 +17973,7 @@
               <a:t>details are </a:t>
             </a:r>
             <a:r>
-              <a:rPr lang="en-US" sz="800" spc="-5" dirty="0">
+              <a:rPr lang="en-US" sz="700" spc="-5" dirty="0">
                 <a:solidFill>
                   <a:srgbClr val="000000"/>
                 </a:solidFill>
@@ -18994,7 +17983,7 @@
               <a:t>true </a:t>
             </a:r>
             <a:r>
-              <a:rPr lang="en-US" sz="800" spc="-15" dirty="0">
+              <a:rPr lang="en-US" sz="700" spc="-15" dirty="0">
                 <a:solidFill>
                   <a:srgbClr val="000000"/>
                 </a:solidFill>
@@ -19004,7 +17993,7 @@
               <a:t>to </a:t>
             </a:r>
             <a:r>
-              <a:rPr lang="en-US" sz="800" spc="-10" dirty="0">
+              <a:rPr lang="en-US" sz="700" spc="-10" dirty="0">
                 <a:solidFill>
                   <a:srgbClr val="000000"/>
                 </a:solidFill>
@@ -19014,7 +18003,7 @@
               <a:t>the best </a:t>
             </a:r>
             <a:r>
-              <a:rPr lang="en-US" sz="800" spc="-5" dirty="0">
+              <a:rPr lang="en-US" sz="700" spc="-5" dirty="0">
                 <a:solidFill>
                   <a:srgbClr val="000000"/>
                 </a:solidFill>
@@ -19024,7 +18013,7 @@
               <a:t>of </a:t>
             </a:r>
             <a:r>
-              <a:rPr lang="en-US" sz="800" spc="-20" dirty="0">
+              <a:rPr lang="en-US" sz="700" spc="-20" dirty="0">
                 <a:solidFill>
                   <a:srgbClr val="000000"/>
                 </a:solidFill>
@@ -19034,7 +18023,7 @@
               <a:t>my</a:t>
             </a:r>
             <a:r>
-              <a:rPr lang="en-US" sz="800" spc="55" dirty="0">
+              <a:rPr lang="en-US" sz="700" spc="55" dirty="0">
                 <a:solidFill>
                   <a:srgbClr val="000000"/>
                 </a:solidFill>
@@ -19044,7 +18033,7 @@
               <a:t> </a:t>
             </a:r>
             <a:r>
-              <a:rPr lang="en-US" sz="800" spc="-10" dirty="0">
+              <a:rPr lang="en-US" sz="700" spc="-10" dirty="0">
                 <a:solidFill>
                   <a:srgbClr val="000000"/>
                 </a:solidFill>
@@ -19053,7 +18042,7 @@
               </a:rPr>
               <a:t>knowledge.</a:t>
             </a:r>
-            <a:endParaRPr lang="en-US" sz="800" dirty="0">
+            <a:endParaRPr lang="en-US" sz="700" dirty="0">
               <a:solidFill>
                 <a:srgbClr val="000000"/>
               </a:solidFill>
@@ -19483,100 +18472,2594 @@
           </a:ln>
         </p:spPr>
       </p:pic>
-      <p:pic>
-        <p:nvPicPr>
-          <p:cNvPr id="212" name="Immagine 211">
+      <p:grpSp>
+        <p:nvGrpSpPr>
+          <p:cNvPr id="217" name="Gruppo 216">
             <a:extLst>
               <a:ext uri="{FF2B5EF4-FFF2-40B4-BE49-F238E27FC236}">
-                <a16:creationId xmlns:a16="http://schemas.microsoft.com/office/drawing/2014/main" id="{2EE9263C-F4D0-4BC9-BA7A-B2A2D67D5DF7}"/>
+                <a16:creationId xmlns:a16="http://schemas.microsoft.com/office/drawing/2014/main" id="{CF553055-7203-4CE9-9A07-F724187163A5}"/>
               </a:ext>
             </a:extLst>
           </p:cNvPr>
-          <p:cNvPicPr>
-            <a:picLocks noChangeAspect="1"/>
-          </p:cNvPicPr>
+          <p:cNvGrpSpPr/>
           <p:nvPr/>
-        </p:nvPicPr>
-        <p:blipFill rotWithShape="1">
-          <a:blip r:embed="rId6">
+        </p:nvGrpSpPr>
+        <p:grpSpPr>
+          <a:xfrm flipH="1">
+            <a:off x="2542601" y="8243121"/>
+            <a:ext cx="4334004" cy="944453"/>
+            <a:chOff x="2541580" y="8107477"/>
+            <a:chExt cx="4335025" cy="944453"/>
+          </a:xfrm>
+        </p:grpSpPr>
+        <p:grpSp>
+          <p:nvGrpSpPr>
+            <p:cNvPr id="220" name="Gruppo 219">
+              <a:extLst>
+                <a:ext uri="{FF2B5EF4-FFF2-40B4-BE49-F238E27FC236}">
+                  <a16:creationId xmlns:a16="http://schemas.microsoft.com/office/drawing/2014/main" id="{960B6835-2AB8-4213-A137-19449F3EB0F5}"/>
+                </a:ext>
+              </a:extLst>
+            </p:cNvPr>
+            <p:cNvGrpSpPr/>
+            <p:nvPr/>
+          </p:nvGrpSpPr>
+          <p:grpSpPr>
+            <a:xfrm>
+              <a:off x="2541580" y="8107477"/>
+              <a:ext cx="1454313" cy="944453"/>
+              <a:chOff x="2756060" y="8072731"/>
+              <a:chExt cx="1454313" cy="944453"/>
+            </a:xfrm>
+          </p:grpSpPr>
+          <p:sp>
+            <p:nvSpPr>
+              <p:cNvPr id="294" name="Ovale 293">
+                <a:extLst>
+                  <a:ext uri="{FF2B5EF4-FFF2-40B4-BE49-F238E27FC236}">
+                    <a16:creationId xmlns:a16="http://schemas.microsoft.com/office/drawing/2014/main" id="{0A427A32-722D-4040-99CF-01077CA60E00}"/>
+                  </a:ext>
+                </a:extLst>
+              </p:cNvPr>
+              <p:cNvSpPr/>
+              <p:nvPr/>
+            </p:nvSpPr>
+            <p:spPr>
+              <a:xfrm>
+                <a:off x="3442015" y="8072731"/>
+                <a:ext cx="82402" cy="82402"/>
+              </a:xfrm>
+              <a:prstGeom prst="ellipse">
+                <a:avLst/>
+              </a:prstGeom>
+              <a:solidFill>
+                <a:srgbClr val="862121"/>
+              </a:solidFill>
+              <a:ln>
+                <a:noFill/>
+              </a:ln>
+            </p:spPr>
+            <p:style>
+              <a:lnRef idx="2">
+                <a:schemeClr val="accent1">
+                  <a:shade val="50000"/>
+                </a:schemeClr>
+              </a:lnRef>
+              <a:fillRef idx="1">
+                <a:schemeClr val="accent1"/>
+              </a:fillRef>
+              <a:effectRef idx="0">
+                <a:schemeClr val="accent1"/>
+              </a:effectRef>
+              <a:fontRef idx="minor">
+                <a:schemeClr val="lt1"/>
+              </a:fontRef>
+            </p:style>
+            <p:txBody>
+              <a:bodyPr rtlCol="0" anchor="ctr"/>
+              <a:lstStyle/>
+              <a:p>
+                <a:pPr algn="ctr"/>
+                <a:endParaRPr lang="it-IT"/>
+              </a:p>
+            </p:txBody>
+          </p:sp>
+          <p:sp>
+            <p:nvSpPr>
+              <p:cNvPr id="295" name="CasellaDiTesto 294">
+                <a:extLst>
+                  <a:ext uri="{FF2B5EF4-FFF2-40B4-BE49-F238E27FC236}">
+                    <a16:creationId xmlns:a16="http://schemas.microsoft.com/office/drawing/2014/main" id="{B8B38F99-DF96-4AB2-82C7-BA3AB67058EE}"/>
+                  </a:ext>
+                </a:extLst>
+              </p:cNvPr>
+              <p:cNvSpPr txBox="1"/>
+              <p:nvPr/>
+            </p:nvSpPr>
+            <p:spPr>
+              <a:xfrm>
+                <a:off x="3141980" y="8446679"/>
+                <a:ext cx="682473" cy="200055"/>
+              </a:xfrm>
+              <a:prstGeom prst="rect">
+                <a:avLst/>
+              </a:prstGeom>
+              <a:noFill/>
+            </p:spPr>
+            <p:txBody>
+              <a:bodyPr wrap="square" rtlCol="0">
+                <a:spAutoFit/>
+              </a:bodyPr>
+              <a:lstStyle/>
+              <a:p>
+                <a:pPr algn="ctr"/>
+                <a:r>
+                  <a:rPr lang="it-IT" sz="700" dirty="0">
+                    <a:latin typeface="Montserrat Light" panose="00000400000000000000" pitchFamily="2" charset="0"/>
+                  </a:rPr>
+                  <a:t>2014 - 2016</a:t>
+                </a:r>
+              </a:p>
+            </p:txBody>
+          </p:sp>
+          <p:sp>
+            <p:nvSpPr>
+              <p:cNvPr id="296" name="CasellaDiTesto 295">
+                <a:extLst>
+                  <a:ext uri="{FF2B5EF4-FFF2-40B4-BE49-F238E27FC236}">
+                    <a16:creationId xmlns:a16="http://schemas.microsoft.com/office/drawing/2014/main" id="{36B8AE85-EC76-45AE-A243-576372AB240D}"/>
+                  </a:ext>
+                </a:extLst>
+              </p:cNvPr>
+              <p:cNvSpPr txBox="1"/>
+              <p:nvPr/>
+            </p:nvSpPr>
+            <p:spPr>
+              <a:xfrm>
+                <a:off x="2756060" y="8156915"/>
+                <a:ext cx="1454313" cy="369332"/>
+              </a:xfrm>
+              <a:prstGeom prst="rect">
+                <a:avLst/>
+              </a:prstGeom>
+              <a:noFill/>
+            </p:spPr>
+            <p:txBody>
+              <a:bodyPr wrap="square" rtlCol="0">
+                <a:spAutoFit/>
+              </a:bodyPr>
+              <a:lstStyle/>
+              <a:p>
+                <a:pPr algn="ctr"/>
+                <a:r>
+                  <a:rPr lang="en-US" sz="900" dirty="0">
+                    <a:solidFill>
+                      <a:srgbClr val="5A5A5A"/>
+                    </a:solidFill>
+                    <a:latin typeface="Montserrat SemiBold" panose="00000700000000000000" pitchFamily="2" charset="0"/>
+                  </a:rPr>
+                  <a:t>Master in</a:t>
+                </a:r>
+              </a:p>
+              <a:p>
+                <a:pPr algn="ctr"/>
+                <a:r>
+                  <a:rPr lang="en-US" sz="900" dirty="0">
+                    <a:solidFill>
+                      <a:srgbClr val="5A5A5A"/>
+                    </a:solidFill>
+                    <a:latin typeface="Montserrat SemiBold" panose="00000700000000000000" pitchFamily="2" charset="0"/>
+                  </a:rPr>
+                  <a:t> Marketing</a:t>
+                </a:r>
+              </a:p>
+            </p:txBody>
+          </p:sp>
+          <p:sp>
+            <p:nvSpPr>
+              <p:cNvPr id="301" name="Google Shape;4016;p36">
+                <a:extLst>
+                  <a:ext uri="{FF2B5EF4-FFF2-40B4-BE49-F238E27FC236}">
+                    <a16:creationId xmlns:a16="http://schemas.microsoft.com/office/drawing/2014/main" id="{CEC6F2CA-D42B-4AA7-B771-389E8B7C0A2E}"/>
+                  </a:ext>
+                </a:extLst>
+              </p:cNvPr>
+              <p:cNvSpPr/>
+              <p:nvPr/>
+            </p:nvSpPr>
+            <p:spPr>
+              <a:xfrm>
+                <a:off x="3446045" y="8707578"/>
+                <a:ext cx="74364" cy="103066"/>
+              </a:xfrm>
+              <a:custGeom>
+                <a:avLst/>
+                <a:gdLst/>
+                <a:ahLst/>
+                <a:cxnLst/>
+                <a:rect l="l" t="t" r="r" b="b"/>
+                <a:pathLst>
+                  <a:path w="12426" h="17222" extrusionOk="0">
+                    <a:moveTo>
+                      <a:pt x="6213" y="3388"/>
+                    </a:moveTo>
+                    <a:cubicBezTo>
+                      <a:pt x="7354" y="3388"/>
+                      <a:pt x="8384" y="4074"/>
+                      <a:pt x="8821" y="5131"/>
+                    </a:cubicBezTo>
+                    <a:cubicBezTo>
+                      <a:pt x="9257" y="6185"/>
+                      <a:pt x="9016" y="7399"/>
+                      <a:pt x="8206" y="8206"/>
+                    </a:cubicBezTo>
+                    <a:cubicBezTo>
+                      <a:pt x="7666" y="8748"/>
+                      <a:pt x="6945" y="9035"/>
+                      <a:pt x="6210" y="9035"/>
+                    </a:cubicBezTo>
+                    <a:cubicBezTo>
+                      <a:pt x="5847" y="9035"/>
+                      <a:pt x="5481" y="8965"/>
+                      <a:pt x="5132" y="8820"/>
+                    </a:cubicBezTo>
+                    <a:cubicBezTo>
+                      <a:pt x="4075" y="8383"/>
+                      <a:pt x="3388" y="7354"/>
+                      <a:pt x="3388" y="6212"/>
+                    </a:cubicBezTo>
+                    <a:cubicBezTo>
+                      <a:pt x="3391" y="4652"/>
+                      <a:pt x="4653" y="3391"/>
+                      <a:pt x="6213" y="3388"/>
+                    </a:cubicBezTo>
+                    <a:close/>
+                    <a:moveTo>
+                      <a:pt x="6213" y="0"/>
+                    </a:moveTo>
+                    <a:cubicBezTo>
+                      <a:pt x="2825" y="0"/>
+                      <a:pt x="1" y="2728"/>
+                      <a:pt x="1" y="6212"/>
+                    </a:cubicBezTo>
+                    <a:cubicBezTo>
+                      <a:pt x="1" y="7537"/>
+                      <a:pt x="398" y="8718"/>
+                      <a:pt x="1163" y="9826"/>
+                    </a:cubicBezTo>
+                    <a:lnTo>
+                      <a:pt x="5737" y="16959"/>
+                    </a:lnTo>
+                    <a:cubicBezTo>
+                      <a:pt x="5847" y="17134"/>
+                      <a:pt x="6029" y="17221"/>
+                      <a:pt x="6211" y="17221"/>
+                    </a:cubicBezTo>
+                    <a:cubicBezTo>
+                      <a:pt x="6394" y="17221"/>
+                      <a:pt x="6576" y="17134"/>
+                      <a:pt x="6686" y="16959"/>
+                    </a:cubicBezTo>
+                    <a:lnTo>
+                      <a:pt x="11278" y="9802"/>
+                    </a:lnTo>
+                    <a:cubicBezTo>
+                      <a:pt x="12025" y="8751"/>
+                      <a:pt x="12425" y="7498"/>
+                      <a:pt x="12422" y="6212"/>
+                    </a:cubicBezTo>
+                    <a:cubicBezTo>
+                      <a:pt x="12422" y="2786"/>
+                      <a:pt x="9637" y="0"/>
+                      <a:pt x="6213" y="0"/>
+                    </a:cubicBezTo>
+                    <a:close/>
+                  </a:path>
+                </a:pathLst>
+              </a:custGeom>
+              <a:solidFill>
+                <a:srgbClr val="A9ABAA"/>
+              </a:solidFill>
+              <a:ln>
+                <a:noFill/>
+              </a:ln>
+            </p:spPr>
+            <p:txBody>
+              <a:bodyPr spcFirstLastPara="1" wrap="square" lIns="91425" tIns="91425" rIns="91425" bIns="91425" anchor="ctr" anchorCtr="0">
+                <a:noAutofit/>
+              </a:bodyPr>
+              <a:lstStyle/>
+              <a:p>
+                <a:pPr marL="0" lvl="0" indent="0" algn="ctr" rtl="0">
+                  <a:spcBef>
+                    <a:spcPts val="0"/>
+                  </a:spcBef>
+                  <a:spcAft>
+                    <a:spcPts val="0"/>
+                  </a:spcAft>
+                  <a:buNone/>
+                </a:pPr>
+                <a:endParaRPr sz="1400">
+                  <a:solidFill>
+                    <a:srgbClr val="435D74"/>
+                  </a:solidFill>
+                </a:endParaRPr>
+              </a:p>
+            </p:txBody>
+          </p:sp>
+          <p:sp>
+            <p:nvSpPr>
+              <p:cNvPr id="303" name="CasellaDiTesto 302">
+                <a:extLst>
+                  <a:ext uri="{FF2B5EF4-FFF2-40B4-BE49-F238E27FC236}">
+                    <a16:creationId xmlns:a16="http://schemas.microsoft.com/office/drawing/2014/main" id="{34D706CB-F9D8-4022-9C04-3AAC8B5F7483}"/>
+                  </a:ext>
+                </a:extLst>
+              </p:cNvPr>
+              <p:cNvSpPr txBox="1"/>
+              <p:nvPr/>
+            </p:nvSpPr>
+            <p:spPr>
+              <a:xfrm>
+                <a:off x="2890832" y="8817129"/>
+                <a:ext cx="1200312" cy="200055"/>
+              </a:xfrm>
+              <a:prstGeom prst="rect">
+                <a:avLst/>
+              </a:prstGeom>
+              <a:noFill/>
+            </p:spPr>
+            <p:txBody>
+              <a:bodyPr wrap="square" rtlCol="0">
+                <a:spAutoFit/>
+              </a:bodyPr>
+              <a:lstStyle/>
+              <a:p>
+                <a:pPr algn="ctr"/>
+                <a:r>
+                  <a:rPr lang="it-IT" sz="700" dirty="0">
+                    <a:solidFill>
+                      <a:srgbClr val="A9ABAA"/>
+                    </a:solidFill>
+                    <a:latin typeface="Montserrat Light" panose="00000400000000000000" pitchFamily="2" charset="0"/>
+                  </a:rPr>
+                  <a:t>Uniba - Economics</a:t>
+                </a:r>
+              </a:p>
+            </p:txBody>
+          </p:sp>
+        </p:grpSp>
+        <p:grpSp>
+          <p:nvGrpSpPr>
+            <p:cNvPr id="221" name="Gruppo 220">
+              <a:extLst>
+                <a:ext uri="{FF2B5EF4-FFF2-40B4-BE49-F238E27FC236}">
+                  <a16:creationId xmlns:a16="http://schemas.microsoft.com/office/drawing/2014/main" id="{11C709EB-0F34-4196-9D52-BFF47F6E236E}"/>
+                </a:ext>
+              </a:extLst>
+            </p:cNvPr>
+            <p:cNvGrpSpPr/>
+            <p:nvPr/>
+          </p:nvGrpSpPr>
+          <p:grpSpPr>
+            <a:xfrm>
+              <a:off x="5422292" y="8107477"/>
+              <a:ext cx="1454313" cy="944453"/>
+              <a:chOff x="2756060" y="8072731"/>
+              <a:chExt cx="1454313" cy="944453"/>
+            </a:xfrm>
+          </p:grpSpPr>
+          <p:sp>
+            <p:nvSpPr>
+              <p:cNvPr id="287" name="Ovale 286">
+                <a:extLst>
+                  <a:ext uri="{FF2B5EF4-FFF2-40B4-BE49-F238E27FC236}">
+                    <a16:creationId xmlns:a16="http://schemas.microsoft.com/office/drawing/2014/main" id="{4A81527C-DF68-47CE-A764-58FB8F835EE7}"/>
+                  </a:ext>
+                </a:extLst>
+              </p:cNvPr>
+              <p:cNvSpPr/>
+              <p:nvPr/>
+            </p:nvSpPr>
+            <p:spPr>
+              <a:xfrm>
+                <a:off x="3442015" y="8072731"/>
+                <a:ext cx="82402" cy="82402"/>
+              </a:xfrm>
+              <a:prstGeom prst="ellipse">
+                <a:avLst/>
+              </a:prstGeom>
+              <a:solidFill>
+                <a:srgbClr val="862121"/>
+              </a:solidFill>
+              <a:ln>
+                <a:noFill/>
+              </a:ln>
+            </p:spPr>
+            <p:style>
+              <a:lnRef idx="2">
+                <a:schemeClr val="accent1">
+                  <a:shade val="50000"/>
+                </a:schemeClr>
+              </a:lnRef>
+              <a:fillRef idx="1">
+                <a:schemeClr val="accent1"/>
+              </a:fillRef>
+              <a:effectRef idx="0">
+                <a:schemeClr val="accent1"/>
+              </a:effectRef>
+              <a:fontRef idx="minor">
+                <a:schemeClr val="lt1"/>
+              </a:fontRef>
+            </p:style>
+            <p:txBody>
+              <a:bodyPr rtlCol="0" anchor="ctr"/>
+              <a:lstStyle/>
+              <a:p>
+                <a:pPr algn="ctr"/>
+                <a:endParaRPr lang="it-IT"/>
+              </a:p>
+            </p:txBody>
+          </p:sp>
+          <p:sp>
+            <p:nvSpPr>
+              <p:cNvPr id="288" name="CasellaDiTesto 287">
+                <a:extLst>
+                  <a:ext uri="{FF2B5EF4-FFF2-40B4-BE49-F238E27FC236}">
+                    <a16:creationId xmlns:a16="http://schemas.microsoft.com/office/drawing/2014/main" id="{6A2F04F0-6E50-4A59-ACA3-EDE0855B8A3C}"/>
+                  </a:ext>
+                </a:extLst>
+              </p:cNvPr>
+              <p:cNvSpPr txBox="1"/>
+              <p:nvPr/>
+            </p:nvSpPr>
+            <p:spPr>
+              <a:xfrm>
+                <a:off x="3141980" y="8446679"/>
+                <a:ext cx="682473" cy="200055"/>
+              </a:xfrm>
+              <a:prstGeom prst="rect">
+                <a:avLst/>
+              </a:prstGeom>
+              <a:noFill/>
+            </p:spPr>
+            <p:txBody>
+              <a:bodyPr wrap="square" rtlCol="0">
+                <a:spAutoFit/>
+              </a:bodyPr>
+              <a:lstStyle/>
+              <a:p>
+                <a:pPr algn="ctr"/>
+                <a:r>
+                  <a:rPr lang="it-IT" sz="700" dirty="0">
+                    <a:latin typeface="Montserrat Light" panose="00000400000000000000" pitchFamily="2" charset="0"/>
+                  </a:rPr>
+                  <a:t>2006 - 2011</a:t>
+                </a:r>
+              </a:p>
+            </p:txBody>
+          </p:sp>
+          <p:sp>
+            <p:nvSpPr>
+              <p:cNvPr id="290" name="CasellaDiTesto 289">
+                <a:extLst>
+                  <a:ext uri="{FF2B5EF4-FFF2-40B4-BE49-F238E27FC236}">
+                    <a16:creationId xmlns:a16="http://schemas.microsoft.com/office/drawing/2014/main" id="{B77B2F69-B4D4-4489-82FD-7E179F42EA9F}"/>
+                  </a:ext>
+                </a:extLst>
+              </p:cNvPr>
+              <p:cNvSpPr txBox="1"/>
+              <p:nvPr/>
+            </p:nvSpPr>
+            <p:spPr>
+              <a:xfrm>
+                <a:off x="2756060" y="8156915"/>
+                <a:ext cx="1454313" cy="369332"/>
+              </a:xfrm>
+              <a:prstGeom prst="rect">
+                <a:avLst/>
+              </a:prstGeom>
+              <a:noFill/>
+            </p:spPr>
+            <p:txBody>
+              <a:bodyPr wrap="square" rtlCol="0">
+                <a:spAutoFit/>
+              </a:bodyPr>
+              <a:lstStyle/>
+              <a:p>
+                <a:pPr algn="ctr"/>
+                <a:r>
+                  <a:rPr lang="en-US" sz="900" dirty="0">
+                    <a:solidFill>
+                      <a:srgbClr val="5A5A5A"/>
+                    </a:solidFill>
+                    <a:latin typeface="Montserrat SemiBold" panose="00000700000000000000" pitchFamily="2" charset="0"/>
+                  </a:rPr>
+                  <a:t>Scientific High School</a:t>
+                </a:r>
+              </a:p>
+            </p:txBody>
+          </p:sp>
+          <p:sp>
+            <p:nvSpPr>
+              <p:cNvPr id="292" name="Google Shape;4016;p36">
+                <a:extLst>
+                  <a:ext uri="{FF2B5EF4-FFF2-40B4-BE49-F238E27FC236}">
+                    <a16:creationId xmlns:a16="http://schemas.microsoft.com/office/drawing/2014/main" id="{6B436729-9726-42A9-8061-53D6516D606B}"/>
+                  </a:ext>
+                </a:extLst>
+              </p:cNvPr>
+              <p:cNvSpPr/>
+              <p:nvPr/>
+            </p:nvSpPr>
+            <p:spPr>
+              <a:xfrm>
+                <a:off x="3446045" y="8707578"/>
+                <a:ext cx="74364" cy="103066"/>
+              </a:xfrm>
+              <a:custGeom>
+                <a:avLst/>
+                <a:gdLst/>
+                <a:ahLst/>
+                <a:cxnLst/>
+                <a:rect l="l" t="t" r="r" b="b"/>
+                <a:pathLst>
+                  <a:path w="12426" h="17222" extrusionOk="0">
+                    <a:moveTo>
+                      <a:pt x="6213" y="3388"/>
+                    </a:moveTo>
+                    <a:cubicBezTo>
+                      <a:pt x="7354" y="3388"/>
+                      <a:pt x="8384" y="4074"/>
+                      <a:pt x="8821" y="5131"/>
+                    </a:cubicBezTo>
+                    <a:cubicBezTo>
+                      <a:pt x="9257" y="6185"/>
+                      <a:pt x="9016" y="7399"/>
+                      <a:pt x="8206" y="8206"/>
+                    </a:cubicBezTo>
+                    <a:cubicBezTo>
+                      <a:pt x="7666" y="8748"/>
+                      <a:pt x="6945" y="9035"/>
+                      <a:pt x="6210" y="9035"/>
+                    </a:cubicBezTo>
+                    <a:cubicBezTo>
+                      <a:pt x="5847" y="9035"/>
+                      <a:pt x="5481" y="8965"/>
+                      <a:pt x="5132" y="8820"/>
+                    </a:cubicBezTo>
+                    <a:cubicBezTo>
+                      <a:pt x="4075" y="8383"/>
+                      <a:pt x="3388" y="7354"/>
+                      <a:pt x="3388" y="6212"/>
+                    </a:cubicBezTo>
+                    <a:cubicBezTo>
+                      <a:pt x="3391" y="4652"/>
+                      <a:pt x="4653" y="3391"/>
+                      <a:pt x="6213" y="3388"/>
+                    </a:cubicBezTo>
+                    <a:close/>
+                    <a:moveTo>
+                      <a:pt x="6213" y="0"/>
+                    </a:moveTo>
+                    <a:cubicBezTo>
+                      <a:pt x="2825" y="0"/>
+                      <a:pt x="1" y="2728"/>
+                      <a:pt x="1" y="6212"/>
+                    </a:cubicBezTo>
+                    <a:cubicBezTo>
+                      <a:pt x="1" y="7537"/>
+                      <a:pt x="398" y="8718"/>
+                      <a:pt x="1163" y="9826"/>
+                    </a:cubicBezTo>
+                    <a:lnTo>
+                      <a:pt x="5737" y="16959"/>
+                    </a:lnTo>
+                    <a:cubicBezTo>
+                      <a:pt x="5847" y="17134"/>
+                      <a:pt x="6029" y="17221"/>
+                      <a:pt x="6211" y="17221"/>
+                    </a:cubicBezTo>
+                    <a:cubicBezTo>
+                      <a:pt x="6394" y="17221"/>
+                      <a:pt x="6576" y="17134"/>
+                      <a:pt x="6686" y="16959"/>
+                    </a:cubicBezTo>
+                    <a:lnTo>
+                      <a:pt x="11278" y="9802"/>
+                    </a:lnTo>
+                    <a:cubicBezTo>
+                      <a:pt x="12025" y="8751"/>
+                      <a:pt x="12425" y="7498"/>
+                      <a:pt x="12422" y="6212"/>
+                    </a:cubicBezTo>
+                    <a:cubicBezTo>
+                      <a:pt x="12422" y="2786"/>
+                      <a:pt x="9637" y="0"/>
+                      <a:pt x="6213" y="0"/>
+                    </a:cubicBezTo>
+                    <a:close/>
+                  </a:path>
+                </a:pathLst>
+              </a:custGeom>
+              <a:solidFill>
+                <a:srgbClr val="A9ABAA"/>
+              </a:solidFill>
+              <a:ln>
+                <a:noFill/>
+              </a:ln>
+            </p:spPr>
+            <p:txBody>
+              <a:bodyPr spcFirstLastPara="1" wrap="square" lIns="91425" tIns="91425" rIns="91425" bIns="91425" anchor="ctr" anchorCtr="0">
+                <a:noAutofit/>
+              </a:bodyPr>
+              <a:lstStyle/>
+              <a:p>
+                <a:pPr marL="0" lvl="0" indent="0" algn="ctr" rtl="0">
+                  <a:spcBef>
+                    <a:spcPts val="0"/>
+                  </a:spcBef>
+                  <a:spcAft>
+                    <a:spcPts val="0"/>
+                  </a:spcAft>
+                  <a:buNone/>
+                </a:pPr>
+                <a:endParaRPr sz="1400">
+                  <a:solidFill>
+                    <a:srgbClr val="435D74"/>
+                  </a:solidFill>
+                </a:endParaRPr>
+              </a:p>
+            </p:txBody>
+          </p:sp>
+          <p:sp>
+            <p:nvSpPr>
+              <p:cNvPr id="293" name="CasellaDiTesto 292">
+                <a:extLst>
+                  <a:ext uri="{FF2B5EF4-FFF2-40B4-BE49-F238E27FC236}">
+                    <a16:creationId xmlns:a16="http://schemas.microsoft.com/office/drawing/2014/main" id="{D36A53BD-EDD7-4783-98FA-8580BC6D245F}"/>
+                  </a:ext>
+                </a:extLst>
+              </p:cNvPr>
+              <p:cNvSpPr txBox="1"/>
+              <p:nvPr/>
+            </p:nvSpPr>
+            <p:spPr>
+              <a:xfrm>
+                <a:off x="2789665" y="8817129"/>
+                <a:ext cx="1385276" cy="200055"/>
+              </a:xfrm>
+              <a:prstGeom prst="rect">
+                <a:avLst/>
+              </a:prstGeom>
+              <a:noFill/>
+            </p:spPr>
+            <p:txBody>
+              <a:bodyPr wrap="square" rtlCol="0">
+                <a:spAutoFit/>
+              </a:bodyPr>
+              <a:lstStyle/>
+              <a:p>
+                <a:pPr algn="ctr"/>
+                <a:r>
+                  <a:rPr lang="it-IT" sz="700" dirty="0">
+                    <a:solidFill>
+                      <a:srgbClr val="A9ABAA"/>
+                    </a:solidFill>
+                    <a:latin typeface="Montserrat Light" panose="00000400000000000000" pitchFamily="2" charset="0"/>
+                  </a:rPr>
+                  <a:t>High School – E. Fermi </a:t>
+                </a:r>
+              </a:p>
+            </p:txBody>
+          </p:sp>
+        </p:grpSp>
+        <p:cxnSp>
+          <p:nvCxnSpPr>
+            <p:cNvPr id="230" name="Connettore diritto 229">
+              <a:extLst>
+                <a:ext uri="{FF2B5EF4-FFF2-40B4-BE49-F238E27FC236}">
+                  <a16:creationId xmlns:a16="http://schemas.microsoft.com/office/drawing/2014/main" id="{C25ABA72-3F53-4974-AB96-F0FABC5FA907}"/>
+                </a:ext>
+              </a:extLst>
+            </p:cNvPr>
+            <p:cNvCxnSpPr>
+              <a:cxnSpLocks/>
+              <a:stCxn id="287" idx="2"/>
+              <a:endCxn id="294" idx="6"/>
+            </p:cNvCxnSpPr>
+            <p:nvPr/>
+          </p:nvCxnSpPr>
+          <p:spPr>
+            <a:xfrm flipH="1">
+              <a:off x="3309937" y="8148678"/>
+              <a:ext cx="2798310" cy="0"/>
+            </a:xfrm>
+            <a:prstGeom prst="line">
+              <a:avLst/>
+            </a:prstGeom>
+            <a:ln w="9525">
+              <a:solidFill>
+                <a:srgbClr val="C9C9C9"/>
+              </a:solidFill>
+              <a:prstDash val="sysDot"/>
+            </a:ln>
+          </p:spPr>
+          <p:style>
+            <a:lnRef idx="1">
+              <a:schemeClr val="accent1"/>
+            </a:lnRef>
+            <a:fillRef idx="0">
+              <a:schemeClr val="accent1"/>
+            </a:fillRef>
+            <a:effectRef idx="0">
+              <a:schemeClr val="accent1"/>
+            </a:effectRef>
+            <a:fontRef idx="minor">
+              <a:schemeClr val="tx1"/>
+            </a:fontRef>
+          </p:style>
+        </p:cxnSp>
+        <p:grpSp>
+          <p:nvGrpSpPr>
+            <p:cNvPr id="231" name="Gruppo 230">
+              <a:extLst>
+                <a:ext uri="{FF2B5EF4-FFF2-40B4-BE49-F238E27FC236}">
+                  <a16:creationId xmlns:a16="http://schemas.microsoft.com/office/drawing/2014/main" id="{44A7C47B-9192-4067-8BDA-553CF456DFE8}"/>
+                </a:ext>
+              </a:extLst>
+            </p:cNvPr>
+            <p:cNvGrpSpPr/>
+            <p:nvPr/>
+          </p:nvGrpSpPr>
+          <p:grpSpPr>
+            <a:xfrm>
+              <a:off x="3836999" y="8107477"/>
+              <a:ext cx="1759730" cy="944453"/>
+              <a:chOff x="2611123" y="8072731"/>
+              <a:chExt cx="1759730" cy="944453"/>
+            </a:xfrm>
+          </p:grpSpPr>
+          <p:sp>
+            <p:nvSpPr>
+              <p:cNvPr id="233" name="CasellaDiTesto 232">
+                <a:extLst>
+                  <a:ext uri="{FF2B5EF4-FFF2-40B4-BE49-F238E27FC236}">
+                    <a16:creationId xmlns:a16="http://schemas.microsoft.com/office/drawing/2014/main" id="{17C3D4EE-F85C-4FE6-A22E-0275C6420FC8}"/>
+                  </a:ext>
+                </a:extLst>
+              </p:cNvPr>
+              <p:cNvSpPr txBox="1"/>
+              <p:nvPr/>
+            </p:nvSpPr>
+            <p:spPr>
+              <a:xfrm>
+                <a:off x="3141980" y="8446679"/>
+                <a:ext cx="682473" cy="200055"/>
+              </a:xfrm>
+              <a:prstGeom prst="rect">
+                <a:avLst/>
+              </a:prstGeom>
+              <a:noFill/>
+            </p:spPr>
+            <p:txBody>
+              <a:bodyPr wrap="square" rtlCol="0">
+                <a:spAutoFit/>
+              </a:bodyPr>
+              <a:lstStyle/>
+              <a:p>
+                <a:pPr algn="ctr"/>
+                <a:r>
+                  <a:rPr lang="it-IT" sz="700" dirty="0">
+                    <a:latin typeface="Montserrat Light" panose="00000400000000000000" pitchFamily="2" charset="0"/>
+                  </a:rPr>
+                  <a:t>2011 - 2014</a:t>
+                </a:r>
+              </a:p>
+            </p:txBody>
+          </p:sp>
+          <p:sp>
+            <p:nvSpPr>
+              <p:cNvPr id="234" name="CasellaDiTesto 233">
+                <a:extLst>
+                  <a:ext uri="{FF2B5EF4-FFF2-40B4-BE49-F238E27FC236}">
+                    <a16:creationId xmlns:a16="http://schemas.microsoft.com/office/drawing/2014/main" id="{27BE2180-E93C-4FDB-B541-6C6CABFAB4CF}"/>
+                  </a:ext>
+                </a:extLst>
+              </p:cNvPr>
+              <p:cNvSpPr txBox="1"/>
+              <p:nvPr/>
+            </p:nvSpPr>
+            <p:spPr>
+              <a:xfrm>
+                <a:off x="2611123" y="8163595"/>
+                <a:ext cx="1759730" cy="369332"/>
+              </a:xfrm>
+              <a:prstGeom prst="rect">
+                <a:avLst/>
+              </a:prstGeom>
+              <a:noFill/>
+            </p:spPr>
+            <p:txBody>
+              <a:bodyPr wrap="square" rtlCol="0">
+                <a:spAutoFit/>
+              </a:bodyPr>
+              <a:lstStyle/>
+              <a:p>
+                <a:pPr algn="ctr"/>
+                <a:r>
+                  <a:rPr lang="en-US" sz="900" dirty="0">
+                    <a:solidFill>
+                      <a:srgbClr val="5A5A5A"/>
+                    </a:solidFill>
+                    <a:latin typeface="Montserrat SemiBold" panose="00000700000000000000" pitchFamily="2" charset="0"/>
+                  </a:rPr>
+                  <a:t>Bachelor in Marketing and Business Administration</a:t>
+                </a:r>
+              </a:p>
+            </p:txBody>
+          </p:sp>
+          <p:sp>
+            <p:nvSpPr>
+              <p:cNvPr id="238" name="Google Shape;4016;p36">
+                <a:extLst>
+                  <a:ext uri="{FF2B5EF4-FFF2-40B4-BE49-F238E27FC236}">
+                    <a16:creationId xmlns:a16="http://schemas.microsoft.com/office/drawing/2014/main" id="{141E71A4-0530-40F4-8BE4-458C9C6924CD}"/>
+                  </a:ext>
+                </a:extLst>
+              </p:cNvPr>
+              <p:cNvSpPr/>
+              <p:nvPr/>
+            </p:nvSpPr>
+            <p:spPr>
+              <a:xfrm>
+                <a:off x="3446023" y="8707578"/>
+                <a:ext cx="74364" cy="103066"/>
+              </a:xfrm>
+              <a:custGeom>
+                <a:avLst/>
+                <a:gdLst/>
+                <a:ahLst/>
+                <a:cxnLst/>
+                <a:rect l="l" t="t" r="r" b="b"/>
+                <a:pathLst>
+                  <a:path w="12426" h="17222" extrusionOk="0">
+                    <a:moveTo>
+                      <a:pt x="6213" y="3388"/>
+                    </a:moveTo>
+                    <a:cubicBezTo>
+                      <a:pt x="7354" y="3388"/>
+                      <a:pt x="8384" y="4074"/>
+                      <a:pt x="8821" y="5131"/>
+                    </a:cubicBezTo>
+                    <a:cubicBezTo>
+                      <a:pt x="9257" y="6185"/>
+                      <a:pt x="9016" y="7399"/>
+                      <a:pt x="8206" y="8206"/>
+                    </a:cubicBezTo>
+                    <a:cubicBezTo>
+                      <a:pt x="7666" y="8748"/>
+                      <a:pt x="6945" y="9035"/>
+                      <a:pt x="6210" y="9035"/>
+                    </a:cubicBezTo>
+                    <a:cubicBezTo>
+                      <a:pt x="5847" y="9035"/>
+                      <a:pt x="5481" y="8965"/>
+                      <a:pt x="5132" y="8820"/>
+                    </a:cubicBezTo>
+                    <a:cubicBezTo>
+                      <a:pt x="4075" y="8383"/>
+                      <a:pt x="3388" y="7354"/>
+                      <a:pt x="3388" y="6212"/>
+                    </a:cubicBezTo>
+                    <a:cubicBezTo>
+                      <a:pt x="3391" y="4652"/>
+                      <a:pt x="4653" y="3391"/>
+                      <a:pt x="6213" y="3388"/>
+                    </a:cubicBezTo>
+                    <a:close/>
+                    <a:moveTo>
+                      <a:pt x="6213" y="0"/>
+                    </a:moveTo>
+                    <a:cubicBezTo>
+                      <a:pt x="2825" y="0"/>
+                      <a:pt x="1" y="2728"/>
+                      <a:pt x="1" y="6212"/>
+                    </a:cubicBezTo>
+                    <a:cubicBezTo>
+                      <a:pt x="1" y="7537"/>
+                      <a:pt x="398" y="8718"/>
+                      <a:pt x="1163" y="9826"/>
+                    </a:cubicBezTo>
+                    <a:lnTo>
+                      <a:pt x="5737" y="16959"/>
+                    </a:lnTo>
+                    <a:cubicBezTo>
+                      <a:pt x="5847" y="17134"/>
+                      <a:pt x="6029" y="17221"/>
+                      <a:pt x="6211" y="17221"/>
+                    </a:cubicBezTo>
+                    <a:cubicBezTo>
+                      <a:pt x="6394" y="17221"/>
+                      <a:pt x="6576" y="17134"/>
+                      <a:pt x="6686" y="16959"/>
+                    </a:cubicBezTo>
+                    <a:lnTo>
+                      <a:pt x="11278" y="9802"/>
+                    </a:lnTo>
+                    <a:cubicBezTo>
+                      <a:pt x="12025" y="8751"/>
+                      <a:pt x="12425" y="7498"/>
+                      <a:pt x="12422" y="6212"/>
+                    </a:cubicBezTo>
+                    <a:cubicBezTo>
+                      <a:pt x="12422" y="2786"/>
+                      <a:pt x="9637" y="0"/>
+                      <a:pt x="6213" y="0"/>
+                    </a:cubicBezTo>
+                    <a:close/>
+                  </a:path>
+                </a:pathLst>
+              </a:custGeom>
+              <a:solidFill>
+                <a:srgbClr val="A9ABAA"/>
+              </a:solidFill>
+              <a:ln>
+                <a:noFill/>
+              </a:ln>
+            </p:spPr>
+            <p:txBody>
+              <a:bodyPr spcFirstLastPara="1" wrap="square" lIns="91425" tIns="91425" rIns="91425" bIns="91425" anchor="ctr" anchorCtr="0">
+                <a:noAutofit/>
+              </a:bodyPr>
+              <a:lstStyle/>
+              <a:p>
+                <a:pPr marL="0" lvl="0" indent="0" algn="ctr" rtl="0">
+                  <a:spcBef>
+                    <a:spcPts val="0"/>
+                  </a:spcBef>
+                  <a:spcAft>
+                    <a:spcPts val="0"/>
+                  </a:spcAft>
+                  <a:buNone/>
+                </a:pPr>
+                <a:endParaRPr sz="1400">
+                  <a:solidFill>
+                    <a:srgbClr val="435D74"/>
+                  </a:solidFill>
+                </a:endParaRPr>
+              </a:p>
+            </p:txBody>
+          </p:sp>
+          <p:sp>
+            <p:nvSpPr>
+              <p:cNvPr id="239" name="CasellaDiTesto 238">
+                <a:extLst>
+                  <a:ext uri="{FF2B5EF4-FFF2-40B4-BE49-F238E27FC236}">
+                    <a16:creationId xmlns:a16="http://schemas.microsoft.com/office/drawing/2014/main" id="{2971C4C5-6BC9-4075-B6E5-BAAFAE3F45C1}"/>
+                  </a:ext>
+                </a:extLst>
+              </p:cNvPr>
+              <p:cNvSpPr txBox="1"/>
+              <p:nvPr/>
+            </p:nvSpPr>
+            <p:spPr>
+              <a:xfrm>
+                <a:off x="2890832" y="8817129"/>
+                <a:ext cx="1200312" cy="200055"/>
+              </a:xfrm>
+              <a:prstGeom prst="rect">
+                <a:avLst/>
+              </a:prstGeom>
+              <a:noFill/>
+            </p:spPr>
+            <p:txBody>
+              <a:bodyPr wrap="square" rtlCol="0">
+                <a:spAutoFit/>
+              </a:bodyPr>
+              <a:lstStyle/>
+              <a:p>
+                <a:pPr algn="ctr"/>
+                <a:r>
+                  <a:rPr lang="it-IT" sz="700" dirty="0">
+                    <a:solidFill>
+                      <a:srgbClr val="A9ABAA"/>
+                    </a:solidFill>
+                    <a:latin typeface="Montserrat Light" panose="00000400000000000000" pitchFamily="2" charset="0"/>
+                  </a:rPr>
+                  <a:t>Uniba - Economics</a:t>
+                </a:r>
+              </a:p>
+            </p:txBody>
+          </p:sp>
+          <p:sp>
+            <p:nvSpPr>
+              <p:cNvPr id="241" name="Ovale 240">
+                <a:extLst>
+                  <a:ext uri="{FF2B5EF4-FFF2-40B4-BE49-F238E27FC236}">
+                    <a16:creationId xmlns:a16="http://schemas.microsoft.com/office/drawing/2014/main" id="{28920E25-CD7B-4114-826A-1B7F7A6E3DA9}"/>
+                  </a:ext>
+                </a:extLst>
+              </p:cNvPr>
+              <p:cNvSpPr/>
+              <p:nvPr/>
+            </p:nvSpPr>
+            <p:spPr>
+              <a:xfrm>
+                <a:off x="3442015" y="8072731"/>
+                <a:ext cx="82402" cy="82402"/>
+              </a:xfrm>
+              <a:prstGeom prst="ellipse">
+                <a:avLst/>
+              </a:prstGeom>
+              <a:solidFill>
+                <a:srgbClr val="862121"/>
+              </a:solidFill>
+              <a:ln>
+                <a:noFill/>
+              </a:ln>
+            </p:spPr>
+            <p:style>
+              <a:lnRef idx="2">
+                <a:schemeClr val="accent1">
+                  <a:shade val="50000"/>
+                </a:schemeClr>
+              </a:lnRef>
+              <a:fillRef idx="1">
+                <a:schemeClr val="accent1"/>
+              </a:fillRef>
+              <a:effectRef idx="0">
+                <a:schemeClr val="accent1"/>
+              </a:effectRef>
+              <a:fontRef idx="minor">
+                <a:schemeClr val="lt1"/>
+              </a:fontRef>
+            </p:style>
+            <p:txBody>
+              <a:bodyPr rtlCol="0" anchor="ctr"/>
+              <a:lstStyle/>
+              <a:p>
+                <a:pPr algn="ctr"/>
+                <a:endParaRPr lang="it-IT"/>
+              </a:p>
+            </p:txBody>
+          </p:sp>
+        </p:grpSp>
+      </p:grpSp>
+      <p:sp>
+        <p:nvSpPr>
+          <p:cNvPr id="289" name="Ovale 288">
             <a:extLst>
-              <a:ext uri="{28A0092B-C50C-407E-A947-70E740481C1C}">
-                <a14:useLocalDpi xmlns:a14="http://schemas.microsoft.com/office/drawing/2010/main" val="0"/>
+              <a:ext uri="{FF2B5EF4-FFF2-40B4-BE49-F238E27FC236}">
+                <a16:creationId xmlns:a16="http://schemas.microsoft.com/office/drawing/2014/main" id="{F3C1D1A0-7289-4575-8EB5-7F8909C5A0ED}"/>
               </a:ext>
             </a:extLst>
-          </a:blip>
-          <a:srcRect l="704" t="695" r="6734" b="37595"/>
-          <a:stretch/>
-        </p:blipFill>
+          </p:cNvPr>
+          <p:cNvSpPr/>
+          <p:nvPr/>
+        </p:nvSpPr>
         <p:spPr>
           <a:xfrm>
-            <a:off x="504000" y="342000"/>
-            <a:ext cx="1573202" cy="1573200"/>
+            <a:off x="2879615" y="3399331"/>
+            <a:ext cx="82402" cy="82402"/>
+          </a:xfrm>
+          <a:prstGeom prst="ellipse">
+            <a:avLst/>
+          </a:prstGeom>
+          <a:solidFill>
+            <a:srgbClr val="862121"/>
+          </a:solidFill>
+          <a:ln>
+            <a:noFill/>
+          </a:ln>
+        </p:spPr>
+        <p:style>
+          <a:lnRef idx="2">
+            <a:schemeClr val="accent1">
+              <a:shade val="50000"/>
+            </a:schemeClr>
+          </a:lnRef>
+          <a:fillRef idx="1">
+            <a:schemeClr val="accent1"/>
+          </a:fillRef>
+          <a:effectRef idx="0">
+            <a:schemeClr val="accent1"/>
+          </a:effectRef>
+          <a:fontRef idx="minor">
+            <a:schemeClr val="lt1"/>
+          </a:fontRef>
+        </p:style>
+        <p:txBody>
+          <a:bodyPr rtlCol="0" anchor="ctr"/>
+          <a:lstStyle/>
+          <a:p>
+            <a:pPr algn="ctr"/>
+            <a:endParaRPr lang="it-IT"/>
+          </a:p>
+        </p:txBody>
+      </p:sp>
+      <p:sp>
+        <p:nvSpPr>
+          <p:cNvPr id="304" name="CasellaDiTesto 303">
+            <a:extLst>
+              <a:ext uri="{FF2B5EF4-FFF2-40B4-BE49-F238E27FC236}">
+                <a16:creationId xmlns:a16="http://schemas.microsoft.com/office/drawing/2014/main" id="{2028D5E5-79DB-49B6-9530-C12E6EAB084A}"/>
+              </a:ext>
+            </a:extLst>
+          </p:cNvPr>
+          <p:cNvSpPr txBox="1"/>
+          <p:nvPr/>
+        </p:nvSpPr>
+        <p:spPr>
+          <a:xfrm>
+            <a:off x="2927501" y="3340505"/>
+            <a:ext cx="682473" cy="200055"/>
+          </a:xfrm>
+          <a:prstGeom prst="rect">
+            <a:avLst/>
+          </a:prstGeom>
+          <a:noFill/>
+        </p:spPr>
+        <p:txBody>
+          <a:bodyPr wrap="square" rtlCol="0">
+            <a:spAutoFit/>
+          </a:bodyPr>
+          <a:lstStyle/>
+          <a:p>
+            <a:r>
+              <a:rPr lang="it-IT" sz="700" dirty="0">
+                <a:latin typeface="Montserrat Light" panose="00000400000000000000" pitchFamily="2" charset="0"/>
+              </a:rPr>
+              <a:t>2017 - 2020</a:t>
+            </a:r>
+          </a:p>
+        </p:txBody>
+      </p:sp>
+      <p:sp>
+        <p:nvSpPr>
+          <p:cNvPr id="305" name="CasellaDiTesto 304">
+            <a:extLst>
+              <a:ext uri="{FF2B5EF4-FFF2-40B4-BE49-F238E27FC236}">
+                <a16:creationId xmlns:a16="http://schemas.microsoft.com/office/drawing/2014/main" id="{DA7EE7C7-A937-46E6-A987-291F7A3DC793}"/>
+              </a:ext>
+            </a:extLst>
+          </p:cNvPr>
+          <p:cNvSpPr txBox="1"/>
+          <p:nvPr/>
+        </p:nvSpPr>
+        <p:spPr>
+          <a:xfrm>
+            <a:off x="3593483" y="3325116"/>
+            <a:ext cx="3099417" cy="230832"/>
+          </a:xfrm>
+          <a:prstGeom prst="rect">
+            <a:avLst/>
+          </a:prstGeom>
+          <a:noFill/>
+        </p:spPr>
+        <p:txBody>
+          <a:bodyPr wrap="square" rtlCol="0">
+            <a:spAutoFit/>
+          </a:bodyPr>
+          <a:lstStyle/>
+          <a:p>
+            <a:r>
+              <a:rPr lang="en-US" sz="900" dirty="0">
+                <a:solidFill>
+                  <a:srgbClr val="5A5A5A"/>
+                </a:solidFill>
+                <a:latin typeface="Montserrat SemiBold" panose="00000700000000000000" pitchFamily="2" charset="0"/>
+              </a:rPr>
+              <a:t>Business Developer &amp; Marketing Specialist</a:t>
+            </a:r>
+          </a:p>
+        </p:txBody>
+      </p:sp>
+      <p:sp>
+        <p:nvSpPr>
+          <p:cNvPr id="306" name="Google Shape;4016;p36">
+            <a:extLst>
+              <a:ext uri="{FF2B5EF4-FFF2-40B4-BE49-F238E27FC236}">
+                <a16:creationId xmlns:a16="http://schemas.microsoft.com/office/drawing/2014/main" id="{0EF19213-BB4C-447F-9BF6-571AC66173C9}"/>
+              </a:ext>
+            </a:extLst>
+          </p:cNvPr>
+          <p:cNvSpPr/>
+          <p:nvPr/>
+        </p:nvSpPr>
+        <p:spPr>
+          <a:xfrm>
+            <a:off x="3007251" y="3959911"/>
+            <a:ext cx="74364" cy="103066"/>
           </a:xfrm>
           <a:custGeom>
             <a:avLst/>
-            <a:gdLst>
-              <a:gd name="connsiteX0" fmla="*/ 3056452 w 6112904"/>
-              <a:gd name="connsiteY0" fmla="*/ 0 h 6112904"/>
-              <a:gd name="connsiteX1" fmla="*/ 6112904 w 6112904"/>
-              <a:gd name="connsiteY1" fmla="*/ 3056452 h 6112904"/>
-              <a:gd name="connsiteX2" fmla="*/ 3056452 w 6112904"/>
-              <a:gd name="connsiteY2" fmla="*/ 6112904 h 6112904"/>
-              <a:gd name="connsiteX3" fmla="*/ 0 w 6112904"/>
-              <a:gd name="connsiteY3" fmla="*/ 3056452 h 6112904"/>
-              <a:gd name="connsiteX4" fmla="*/ 3056452 w 6112904"/>
-              <a:gd name="connsiteY4" fmla="*/ 0 h 6112904"/>
-            </a:gdLst>
+            <a:gdLst/>
             <a:ahLst/>
-            <a:cxnLst>
-              <a:cxn ang="0">
-                <a:pos x="connsiteX0" y="connsiteY0"/>
-              </a:cxn>
-              <a:cxn ang="0">
-                <a:pos x="connsiteX1" y="connsiteY1"/>
-              </a:cxn>
-              <a:cxn ang="0">
-                <a:pos x="connsiteX2" y="connsiteY2"/>
-              </a:cxn>
-              <a:cxn ang="0">
-                <a:pos x="connsiteX3" y="connsiteY3"/>
-              </a:cxn>
-              <a:cxn ang="0">
-                <a:pos x="connsiteX4" y="connsiteY4"/>
-              </a:cxn>
-            </a:cxnLst>
+            <a:cxnLst/>
             <a:rect l="l" t="t" r="r" b="b"/>
             <a:pathLst>
-              <a:path w="6112904" h="6112904">
+              <a:path w="12426" h="17222" extrusionOk="0">
                 <a:moveTo>
-                  <a:pt x="3056452" y="0"/>
+                  <a:pt x="6213" y="3388"/>
                 </a:moveTo>
                 <a:cubicBezTo>
-                  <a:pt x="4744484" y="0"/>
-                  <a:pt x="6112904" y="1368420"/>
-                  <a:pt x="6112904" y="3056452"/>
-                </a:cubicBezTo>
-                <a:cubicBezTo>
-                  <a:pt x="6112904" y="4744484"/>
-                  <a:pt x="4744484" y="6112904"/>
-                  <a:pt x="3056452" y="6112904"/>
-                </a:cubicBezTo>
-                <a:cubicBezTo>
-                  <a:pt x="1368420" y="6112904"/>
-                  <a:pt x="0" y="4744484"/>
-                  <a:pt x="0" y="3056452"/>
-                </a:cubicBezTo>
-                <a:cubicBezTo>
-                  <a:pt x="0" y="1368420"/>
-                  <a:pt x="1368420" y="0"/>
-                  <a:pt x="3056452" y="0"/>
+                  <a:pt x="7354" y="3388"/>
+                  <a:pt x="8384" y="4074"/>
+                  <a:pt x="8821" y="5131"/>
+                </a:cubicBezTo>
+                <a:cubicBezTo>
+                  <a:pt x="9257" y="6185"/>
+                  <a:pt x="9016" y="7399"/>
+                  <a:pt x="8206" y="8206"/>
+                </a:cubicBezTo>
+                <a:cubicBezTo>
+                  <a:pt x="7666" y="8748"/>
+                  <a:pt x="6945" y="9035"/>
+                  <a:pt x="6210" y="9035"/>
+                </a:cubicBezTo>
+                <a:cubicBezTo>
+                  <a:pt x="5847" y="9035"/>
+                  <a:pt x="5481" y="8965"/>
+                  <a:pt x="5132" y="8820"/>
+                </a:cubicBezTo>
+                <a:cubicBezTo>
+                  <a:pt x="4075" y="8383"/>
+                  <a:pt x="3388" y="7354"/>
+                  <a:pt x="3388" y="6212"/>
+                </a:cubicBezTo>
+                <a:cubicBezTo>
+                  <a:pt x="3391" y="4652"/>
+                  <a:pt x="4653" y="3391"/>
+                  <a:pt x="6213" y="3388"/>
+                </a:cubicBezTo>
+                <a:close/>
+                <a:moveTo>
+                  <a:pt x="6213" y="0"/>
+                </a:moveTo>
+                <a:cubicBezTo>
+                  <a:pt x="2825" y="0"/>
+                  <a:pt x="1" y="2728"/>
+                  <a:pt x="1" y="6212"/>
+                </a:cubicBezTo>
+                <a:cubicBezTo>
+                  <a:pt x="1" y="7537"/>
+                  <a:pt x="398" y="8718"/>
+                  <a:pt x="1163" y="9826"/>
+                </a:cubicBezTo>
+                <a:lnTo>
+                  <a:pt x="5737" y="16959"/>
+                </a:lnTo>
+                <a:cubicBezTo>
+                  <a:pt x="5847" y="17134"/>
+                  <a:pt x="6029" y="17221"/>
+                  <a:pt x="6211" y="17221"/>
+                </a:cubicBezTo>
+                <a:cubicBezTo>
+                  <a:pt x="6394" y="17221"/>
+                  <a:pt x="6576" y="17134"/>
+                  <a:pt x="6686" y="16959"/>
+                </a:cubicBezTo>
+                <a:lnTo>
+                  <a:pt x="11278" y="9802"/>
+                </a:lnTo>
+                <a:cubicBezTo>
+                  <a:pt x="12025" y="8751"/>
+                  <a:pt x="12425" y="7498"/>
+                  <a:pt x="12422" y="6212"/>
+                </a:cubicBezTo>
+                <a:cubicBezTo>
+                  <a:pt x="12422" y="2786"/>
+                  <a:pt x="9637" y="0"/>
+                  <a:pt x="6213" y="0"/>
                 </a:cubicBezTo>
                 <a:close/>
               </a:path>
             </a:pathLst>
           </a:custGeom>
+          <a:solidFill>
+            <a:srgbClr val="A9ABAA"/>
+          </a:solidFill>
+          <a:ln>
+            <a:noFill/>
+          </a:ln>
         </p:spPr>
-      </p:pic>
+        <p:txBody>
+          <a:bodyPr spcFirstLastPara="1" wrap="square" lIns="91425" tIns="91425" rIns="91425" bIns="91425" anchor="ctr" anchorCtr="0">
+            <a:noAutofit/>
+          </a:bodyPr>
+          <a:lstStyle/>
+          <a:p>
+            <a:pPr marL="0" lvl="0" indent="0" algn="l" rtl="0">
+              <a:spcBef>
+                <a:spcPts val="0"/>
+              </a:spcBef>
+              <a:spcAft>
+                <a:spcPts val="0"/>
+              </a:spcAft>
+              <a:buNone/>
+            </a:pPr>
+            <a:endParaRPr sz="1400">
+              <a:solidFill>
+                <a:srgbClr val="435D74"/>
+              </a:solidFill>
+            </a:endParaRPr>
+          </a:p>
+        </p:txBody>
+      </p:sp>
+      <p:sp>
+        <p:nvSpPr>
+          <p:cNvPr id="307" name="CasellaDiTesto 306">
+            <a:extLst>
+              <a:ext uri="{FF2B5EF4-FFF2-40B4-BE49-F238E27FC236}">
+                <a16:creationId xmlns:a16="http://schemas.microsoft.com/office/drawing/2014/main" id="{DB504474-603D-49DC-89AD-76211F25E00A}"/>
+              </a:ext>
+            </a:extLst>
+          </p:cNvPr>
+          <p:cNvSpPr txBox="1"/>
+          <p:nvPr/>
+        </p:nvSpPr>
+        <p:spPr>
+          <a:xfrm>
+            <a:off x="3078650" y="3911417"/>
+            <a:ext cx="480995" cy="200055"/>
+          </a:xfrm>
+          <a:prstGeom prst="rect">
+            <a:avLst/>
+          </a:prstGeom>
+          <a:noFill/>
+        </p:spPr>
+        <p:txBody>
+          <a:bodyPr wrap="square" rtlCol="0">
+            <a:spAutoFit/>
+          </a:bodyPr>
+          <a:lstStyle/>
+          <a:p>
+            <a:r>
+              <a:rPr lang="it-IT" sz="700" dirty="0">
+                <a:solidFill>
+                  <a:srgbClr val="A9ABAA"/>
+                </a:solidFill>
+                <a:latin typeface="Montserrat Light" panose="00000400000000000000" pitchFamily="2" charset="0"/>
+              </a:rPr>
+              <a:t>Bari</a:t>
+            </a:r>
+          </a:p>
+        </p:txBody>
+      </p:sp>
+      <p:sp>
+        <p:nvSpPr>
+          <p:cNvPr id="308" name="CasellaDiTesto 307">
+            <a:extLst>
+              <a:ext uri="{FF2B5EF4-FFF2-40B4-BE49-F238E27FC236}">
+                <a16:creationId xmlns:a16="http://schemas.microsoft.com/office/drawing/2014/main" id="{55261158-C4BB-421B-92EB-93397A6563BA}"/>
+              </a:ext>
+            </a:extLst>
+          </p:cNvPr>
+          <p:cNvSpPr txBox="1"/>
+          <p:nvPr/>
+        </p:nvSpPr>
+        <p:spPr>
+          <a:xfrm>
+            <a:off x="3605355" y="3586389"/>
+            <a:ext cx="2975387" cy="1200329"/>
+          </a:xfrm>
+          <a:prstGeom prst="rect">
+            <a:avLst/>
+          </a:prstGeom>
+          <a:noFill/>
+        </p:spPr>
+        <p:txBody>
+          <a:bodyPr wrap="square" rtlCol="0">
+            <a:spAutoFit/>
+          </a:bodyPr>
+          <a:lstStyle/>
+          <a:p>
+            <a:r>
+              <a:rPr lang="en-US" sz="800" dirty="0">
+                <a:solidFill>
+                  <a:srgbClr val="000000"/>
+                </a:solidFill>
+                <a:latin typeface="Montserrat" panose="00000500000000000000" pitchFamily="2" charset="0"/>
+              </a:rPr>
+              <a:t>▪ Wholesale of hardware and software solutions;</a:t>
+            </a:r>
+            <a:br>
+              <a:rPr lang="en-US" sz="800" dirty="0">
+                <a:solidFill>
+                  <a:srgbClr val="000000"/>
+                </a:solidFill>
+                <a:latin typeface="Montserrat" panose="00000500000000000000" pitchFamily="2" charset="0"/>
+              </a:rPr>
+            </a:br>
+            <a:r>
+              <a:rPr lang="en-US" sz="800" dirty="0">
+                <a:solidFill>
+                  <a:srgbClr val="000000"/>
+                </a:solidFill>
+                <a:latin typeface="Montserrat" panose="00000500000000000000" pitchFamily="2" charset="0"/>
+              </a:rPr>
+              <a:t>▪ Follow up of customers / prospects to achieve</a:t>
+            </a:r>
+          </a:p>
+          <a:p>
+            <a:r>
+              <a:rPr lang="en-US" sz="800" dirty="0">
+                <a:solidFill>
+                  <a:srgbClr val="000000"/>
+                </a:solidFill>
+                <a:latin typeface="Montserrat" panose="00000500000000000000" pitchFamily="2" charset="0"/>
+              </a:rPr>
+              <a:t>   commercial objectives;</a:t>
+            </a:r>
+            <a:br>
+              <a:rPr lang="en-US" sz="800" dirty="0">
+                <a:solidFill>
+                  <a:srgbClr val="000000"/>
+                </a:solidFill>
+                <a:latin typeface="Montserrat" panose="00000500000000000000" pitchFamily="2" charset="0"/>
+              </a:rPr>
+            </a:br>
+            <a:r>
+              <a:rPr lang="en-US" sz="800" dirty="0">
+                <a:solidFill>
+                  <a:srgbClr val="000000"/>
+                </a:solidFill>
+                <a:latin typeface="Montserrat" panose="00000500000000000000" pitchFamily="2" charset="0"/>
+              </a:rPr>
+              <a:t>▪ Maximization of ROI, through KPI market analysis</a:t>
+            </a:r>
+          </a:p>
+          <a:p>
+            <a:r>
+              <a:rPr lang="en-US" sz="800" dirty="0">
+                <a:solidFill>
+                  <a:srgbClr val="000000"/>
+                </a:solidFill>
+                <a:latin typeface="Montserrat" panose="00000500000000000000" pitchFamily="2" charset="0"/>
+              </a:rPr>
+              <a:t>   and SWOT analysis;</a:t>
+            </a:r>
+            <a:br>
+              <a:rPr lang="en-US" sz="800" dirty="0">
+                <a:solidFill>
+                  <a:srgbClr val="000000"/>
+                </a:solidFill>
+                <a:latin typeface="Montserrat" panose="00000500000000000000" pitchFamily="2" charset="0"/>
+              </a:rPr>
+            </a:br>
+            <a:r>
+              <a:rPr lang="en-US" sz="800" dirty="0">
+                <a:solidFill>
+                  <a:srgbClr val="000000"/>
+                </a:solidFill>
+                <a:latin typeface="Montserrat" panose="00000500000000000000" pitchFamily="2" charset="0"/>
+              </a:rPr>
+              <a:t>▪ Developing strategic marketing plans and</a:t>
+            </a:r>
+          </a:p>
+          <a:p>
+            <a:r>
+              <a:rPr lang="en-US" sz="800" dirty="0">
+                <a:solidFill>
+                  <a:srgbClr val="000000"/>
+                </a:solidFill>
+                <a:latin typeface="Montserrat" panose="00000500000000000000" pitchFamily="2" charset="0"/>
+              </a:rPr>
+              <a:t>   advertising budget management;</a:t>
+            </a:r>
+            <a:br>
+              <a:rPr lang="en-US" sz="800" dirty="0">
+                <a:solidFill>
+                  <a:srgbClr val="000000"/>
+                </a:solidFill>
+                <a:latin typeface="Montserrat" panose="00000500000000000000" pitchFamily="2" charset="0"/>
+              </a:rPr>
+            </a:br>
+            <a:r>
+              <a:rPr lang="en-US" sz="800" dirty="0">
+                <a:solidFill>
+                  <a:srgbClr val="000000"/>
+                </a:solidFill>
+                <a:latin typeface="Montserrat" panose="00000500000000000000" pitchFamily="2" charset="0"/>
+              </a:rPr>
+              <a:t>▪ Identification of new trends and business</a:t>
+            </a:r>
+          </a:p>
+          <a:p>
+            <a:r>
+              <a:rPr lang="en-US" sz="800" dirty="0">
+                <a:solidFill>
+                  <a:srgbClr val="000000"/>
+                </a:solidFill>
+                <a:latin typeface="Montserrat" panose="00000500000000000000" pitchFamily="2" charset="0"/>
+              </a:rPr>
+              <a:t>   development opportunities.</a:t>
+            </a:r>
+            <a:endParaRPr lang="it-IT" sz="800" dirty="0">
+              <a:solidFill>
+                <a:srgbClr val="000000"/>
+              </a:solidFill>
+              <a:latin typeface="Montserrat" panose="00000500000000000000" pitchFamily="2" charset="0"/>
+            </a:endParaRPr>
+          </a:p>
+        </p:txBody>
+      </p:sp>
+      <p:sp>
+        <p:nvSpPr>
+          <p:cNvPr id="309" name="CasellaDiTesto 308">
+            <a:extLst>
+              <a:ext uri="{FF2B5EF4-FFF2-40B4-BE49-F238E27FC236}">
+                <a16:creationId xmlns:a16="http://schemas.microsoft.com/office/drawing/2014/main" id="{9DDB8480-8B82-4E89-B195-F7678E335155}"/>
+              </a:ext>
+            </a:extLst>
+          </p:cNvPr>
+          <p:cNvSpPr txBox="1"/>
+          <p:nvPr/>
+        </p:nvSpPr>
+        <p:spPr>
+          <a:xfrm>
+            <a:off x="3070175" y="3648274"/>
+            <a:ext cx="480995" cy="200055"/>
+          </a:xfrm>
+          <a:prstGeom prst="rect">
+            <a:avLst/>
+          </a:prstGeom>
+          <a:noFill/>
+        </p:spPr>
+        <p:txBody>
+          <a:bodyPr wrap="square" rtlCol="0">
+            <a:spAutoFit/>
+          </a:bodyPr>
+          <a:lstStyle/>
+          <a:p>
+            <a:r>
+              <a:rPr lang="it-IT" sz="700" dirty="0">
+                <a:solidFill>
+                  <a:srgbClr val="A9ABAA"/>
+                </a:solidFill>
+                <a:latin typeface="Montserrat Light" panose="00000400000000000000" pitchFamily="2" charset="0"/>
+              </a:rPr>
+              <a:t>Hitech</a:t>
+            </a:r>
+          </a:p>
+        </p:txBody>
+      </p:sp>
+      <p:grpSp>
+        <p:nvGrpSpPr>
+          <p:cNvPr id="310" name="Google Shape;4859;p37">
+            <a:extLst>
+              <a:ext uri="{FF2B5EF4-FFF2-40B4-BE49-F238E27FC236}">
+                <a16:creationId xmlns:a16="http://schemas.microsoft.com/office/drawing/2014/main" id="{387D57D5-EFB4-48A8-8E16-16EAAB974F00}"/>
+              </a:ext>
+            </a:extLst>
+          </p:cNvPr>
+          <p:cNvGrpSpPr/>
+          <p:nvPr/>
+        </p:nvGrpSpPr>
+        <p:grpSpPr>
+          <a:xfrm>
+            <a:off x="2983312" y="3676377"/>
+            <a:ext cx="125683" cy="126926"/>
+            <a:chOff x="-59100700" y="1911950"/>
+            <a:chExt cx="315875" cy="319000"/>
+          </a:xfrm>
+        </p:grpSpPr>
+        <p:sp>
+          <p:nvSpPr>
+            <p:cNvPr id="311" name="Google Shape;4860;p37">
+              <a:extLst>
+                <a:ext uri="{FF2B5EF4-FFF2-40B4-BE49-F238E27FC236}">
+                  <a16:creationId xmlns:a16="http://schemas.microsoft.com/office/drawing/2014/main" id="{8F49F86B-479F-48D8-AE07-F04E0A99E387}"/>
+                </a:ext>
+              </a:extLst>
+            </p:cNvPr>
+            <p:cNvSpPr/>
+            <p:nvPr/>
+          </p:nvSpPr>
+          <p:spPr>
+            <a:xfrm>
+              <a:off x="-59015625" y="1993850"/>
+              <a:ext cx="20500" cy="20525"/>
+            </a:xfrm>
+            <a:custGeom>
+              <a:avLst/>
+              <a:gdLst/>
+              <a:ahLst/>
+              <a:cxnLst/>
+              <a:rect l="l" t="t" r="r" b="b"/>
+              <a:pathLst>
+                <a:path w="820" h="821" extrusionOk="0">
+                  <a:moveTo>
+                    <a:pt x="189" y="1"/>
+                  </a:moveTo>
+                  <a:cubicBezTo>
+                    <a:pt x="63" y="1"/>
+                    <a:pt x="0" y="64"/>
+                    <a:pt x="0" y="190"/>
+                  </a:cubicBezTo>
+                  <a:lnTo>
+                    <a:pt x="0" y="631"/>
+                  </a:lnTo>
+                  <a:cubicBezTo>
+                    <a:pt x="0" y="757"/>
+                    <a:pt x="95" y="820"/>
+                    <a:pt x="189" y="820"/>
+                  </a:cubicBezTo>
+                  <a:lnTo>
+                    <a:pt x="630" y="820"/>
+                  </a:lnTo>
+                  <a:cubicBezTo>
+                    <a:pt x="725" y="820"/>
+                    <a:pt x="820" y="757"/>
+                    <a:pt x="820" y="631"/>
+                  </a:cubicBezTo>
+                  <a:lnTo>
+                    <a:pt x="820" y="190"/>
+                  </a:lnTo>
+                  <a:cubicBezTo>
+                    <a:pt x="820" y="64"/>
+                    <a:pt x="725" y="1"/>
+                    <a:pt x="630" y="1"/>
+                  </a:cubicBezTo>
+                  <a:close/>
+                </a:path>
+              </a:pathLst>
+            </a:custGeom>
+            <a:solidFill>
+              <a:srgbClr val="A9ABAA"/>
+            </a:solidFill>
+            <a:ln>
+              <a:noFill/>
+            </a:ln>
+          </p:spPr>
+          <p:txBody>
+            <a:bodyPr spcFirstLastPara="1" wrap="square" lIns="91425" tIns="91425" rIns="91425" bIns="91425" anchor="ctr" anchorCtr="0">
+              <a:noAutofit/>
+            </a:bodyPr>
+            <a:lstStyle/>
+            <a:p>
+              <a:pPr marL="0" lvl="0" indent="0" algn="l" rtl="0">
+                <a:spcBef>
+                  <a:spcPts val="0"/>
+                </a:spcBef>
+                <a:spcAft>
+                  <a:spcPts val="0"/>
+                </a:spcAft>
+                <a:buNone/>
+              </a:pPr>
+              <a:endParaRPr/>
+            </a:p>
+          </p:txBody>
+        </p:sp>
+        <p:sp>
+          <p:nvSpPr>
+            <p:cNvPr id="312" name="Google Shape;4861;p37">
+              <a:extLst>
+                <a:ext uri="{FF2B5EF4-FFF2-40B4-BE49-F238E27FC236}">
+                  <a16:creationId xmlns:a16="http://schemas.microsoft.com/office/drawing/2014/main" id="{D89706C2-37FD-445F-BC64-42A6E666B390}"/>
+                </a:ext>
+              </a:extLst>
+            </p:cNvPr>
+            <p:cNvSpPr/>
+            <p:nvPr/>
+          </p:nvSpPr>
+          <p:spPr>
+            <a:xfrm>
+              <a:off x="-58954200" y="1993850"/>
+              <a:ext cx="21300" cy="20525"/>
+            </a:xfrm>
+            <a:custGeom>
+              <a:avLst/>
+              <a:gdLst/>
+              <a:ahLst/>
+              <a:cxnLst/>
+              <a:rect l="l" t="t" r="r" b="b"/>
+              <a:pathLst>
+                <a:path w="852" h="821" extrusionOk="0">
+                  <a:moveTo>
+                    <a:pt x="221" y="1"/>
+                  </a:moveTo>
+                  <a:cubicBezTo>
+                    <a:pt x="95" y="1"/>
+                    <a:pt x="1" y="64"/>
+                    <a:pt x="1" y="190"/>
+                  </a:cubicBezTo>
+                  <a:lnTo>
+                    <a:pt x="1" y="631"/>
+                  </a:lnTo>
+                  <a:cubicBezTo>
+                    <a:pt x="1" y="757"/>
+                    <a:pt x="127" y="820"/>
+                    <a:pt x="221" y="820"/>
+                  </a:cubicBezTo>
+                  <a:lnTo>
+                    <a:pt x="631" y="820"/>
+                  </a:lnTo>
+                  <a:cubicBezTo>
+                    <a:pt x="757" y="820"/>
+                    <a:pt x="851" y="757"/>
+                    <a:pt x="851" y="631"/>
+                  </a:cubicBezTo>
+                  <a:lnTo>
+                    <a:pt x="851" y="190"/>
+                  </a:lnTo>
+                  <a:cubicBezTo>
+                    <a:pt x="851" y="64"/>
+                    <a:pt x="757" y="1"/>
+                    <a:pt x="631" y="1"/>
+                  </a:cubicBezTo>
+                  <a:close/>
+                </a:path>
+              </a:pathLst>
+            </a:custGeom>
+            <a:solidFill>
+              <a:srgbClr val="A9ABAA"/>
+            </a:solidFill>
+            <a:ln>
+              <a:noFill/>
+            </a:ln>
+          </p:spPr>
+          <p:txBody>
+            <a:bodyPr spcFirstLastPara="1" wrap="square" lIns="91425" tIns="91425" rIns="91425" bIns="91425" anchor="ctr" anchorCtr="0">
+              <a:noAutofit/>
+            </a:bodyPr>
+            <a:lstStyle/>
+            <a:p>
+              <a:pPr marL="0" lvl="0" indent="0" algn="l" rtl="0">
+                <a:spcBef>
+                  <a:spcPts val="0"/>
+                </a:spcBef>
+                <a:spcAft>
+                  <a:spcPts val="0"/>
+                </a:spcAft>
+                <a:buNone/>
+              </a:pPr>
+              <a:endParaRPr/>
+            </a:p>
+          </p:txBody>
+        </p:sp>
+        <p:sp>
+          <p:nvSpPr>
+            <p:cNvPr id="313" name="Google Shape;4862;p37">
+              <a:extLst>
+                <a:ext uri="{FF2B5EF4-FFF2-40B4-BE49-F238E27FC236}">
+                  <a16:creationId xmlns:a16="http://schemas.microsoft.com/office/drawing/2014/main" id="{0B90B054-8042-47BE-BDCF-C301BB98352F}"/>
+                </a:ext>
+              </a:extLst>
+            </p:cNvPr>
+            <p:cNvSpPr/>
+            <p:nvPr/>
+          </p:nvSpPr>
+          <p:spPr>
+            <a:xfrm>
+              <a:off x="-58891975" y="1993850"/>
+              <a:ext cx="21300" cy="20525"/>
+            </a:xfrm>
+            <a:custGeom>
+              <a:avLst/>
+              <a:gdLst/>
+              <a:ahLst/>
+              <a:cxnLst/>
+              <a:rect l="l" t="t" r="r" b="b"/>
+              <a:pathLst>
+                <a:path w="852" h="821" extrusionOk="0">
+                  <a:moveTo>
+                    <a:pt x="190" y="1"/>
+                  </a:moveTo>
+                  <a:cubicBezTo>
+                    <a:pt x="95" y="1"/>
+                    <a:pt x="1" y="64"/>
+                    <a:pt x="1" y="190"/>
+                  </a:cubicBezTo>
+                  <a:lnTo>
+                    <a:pt x="1" y="631"/>
+                  </a:lnTo>
+                  <a:cubicBezTo>
+                    <a:pt x="1" y="757"/>
+                    <a:pt x="127" y="820"/>
+                    <a:pt x="190" y="820"/>
+                  </a:cubicBezTo>
+                  <a:lnTo>
+                    <a:pt x="631" y="820"/>
+                  </a:lnTo>
+                  <a:cubicBezTo>
+                    <a:pt x="757" y="820"/>
+                    <a:pt x="851" y="757"/>
+                    <a:pt x="851" y="631"/>
+                  </a:cubicBezTo>
+                  <a:lnTo>
+                    <a:pt x="851" y="190"/>
+                  </a:lnTo>
+                  <a:cubicBezTo>
+                    <a:pt x="851" y="64"/>
+                    <a:pt x="757" y="1"/>
+                    <a:pt x="631" y="1"/>
+                  </a:cubicBezTo>
+                  <a:close/>
+                </a:path>
+              </a:pathLst>
+            </a:custGeom>
+            <a:solidFill>
+              <a:srgbClr val="A9ABAA"/>
+            </a:solidFill>
+            <a:ln>
+              <a:noFill/>
+            </a:ln>
+          </p:spPr>
+          <p:txBody>
+            <a:bodyPr spcFirstLastPara="1" wrap="square" lIns="91425" tIns="91425" rIns="91425" bIns="91425" anchor="ctr" anchorCtr="0">
+              <a:noAutofit/>
+            </a:bodyPr>
+            <a:lstStyle/>
+            <a:p>
+              <a:pPr marL="0" lvl="0" indent="0" algn="l" rtl="0">
+                <a:spcBef>
+                  <a:spcPts val="0"/>
+                </a:spcBef>
+                <a:spcAft>
+                  <a:spcPts val="0"/>
+                </a:spcAft>
+                <a:buNone/>
+              </a:pPr>
+              <a:endParaRPr/>
+            </a:p>
+          </p:txBody>
+        </p:sp>
+        <p:sp>
+          <p:nvSpPr>
+            <p:cNvPr id="314" name="Google Shape;4863;p37">
+              <a:extLst>
+                <a:ext uri="{FF2B5EF4-FFF2-40B4-BE49-F238E27FC236}">
+                  <a16:creationId xmlns:a16="http://schemas.microsoft.com/office/drawing/2014/main" id="{D025304C-2D4C-4CB3-8C18-486EE630F6C8}"/>
+                </a:ext>
+              </a:extLst>
+            </p:cNvPr>
+            <p:cNvSpPr/>
+            <p:nvPr/>
+          </p:nvSpPr>
+          <p:spPr>
+            <a:xfrm>
+              <a:off x="-59015625" y="2034825"/>
+              <a:ext cx="20500" cy="21275"/>
+            </a:xfrm>
+            <a:custGeom>
+              <a:avLst/>
+              <a:gdLst/>
+              <a:ahLst/>
+              <a:cxnLst/>
+              <a:rect l="l" t="t" r="r" b="b"/>
+              <a:pathLst>
+                <a:path w="820" h="851" extrusionOk="0">
+                  <a:moveTo>
+                    <a:pt x="189" y="0"/>
+                  </a:moveTo>
+                  <a:cubicBezTo>
+                    <a:pt x="63" y="0"/>
+                    <a:pt x="0" y="95"/>
+                    <a:pt x="0" y="221"/>
+                  </a:cubicBezTo>
+                  <a:lnTo>
+                    <a:pt x="0" y="630"/>
+                  </a:lnTo>
+                  <a:cubicBezTo>
+                    <a:pt x="0" y="756"/>
+                    <a:pt x="95" y="851"/>
+                    <a:pt x="189" y="851"/>
+                  </a:cubicBezTo>
+                  <a:lnTo>
+                    <a:pt x="630" y="851"/>
+                  </a:lnTo>
+                  <a:cubicBezTo>
+                    <a:pt x="725" y="851"/>
+                    <a:pt x="820" y="756"/>
+                    <a:pt x="820" y="630"/>
+                  </a:cubicBezTo>
+                  <a:lnTo>
+                    <a:pt x="820" y="221"/>
+                  </a:lnTo>
+                  <a:cubicBezTo>
+                    <a:pt x="820" y="95"/>
+                    <a:pt x="725" y="0"/>
+                    <a:pt x="630" y="0"/>
+                  </a:cubicBezTo>
+                  <a:close/>
+                </a:path>
+              </a:pathLst>
+            </a:custGeom>
+            <a:solidFill>
+              <a:srgbClr val="A9ABAA"/>
+            </a:solidFill>
+            <a:ln>
+              <a:noFill/>
+            </a:ln>
+          </p:spPr>
+          <p:txBody>
+            <a:bodyPr spcFirstLastPara="1" wrap="square" lIns="91425" tIns="91425" rIns="91425" bIns="91425" anchor="ctr" anchorCtr="0">
+              <a:noAutofit/>
+            </a:bodyPr>
+            <a:lstStyle/>
+            <a:p>
+              <a:pPr marL="0" lvl="0" indent="0" algn="l" rtl="0">
+                <a:spcBef>
+                  <a:spcPts val="0"/>
+                </a:spcBef>
+                <a:spcAft>
+                  <a:spcPts val="0"/>
+                </a:spcAft>
+                <a:buNone/>
+              </a:pPr>
+              <a:endParaRPr/>
+            </a:p>
+          </p:txBody>
+        </p:sp>
+        <p:sp>
+          <p:nvSpPr>
+            <p:cNvPr id="315" name="Google Shape;4864;p37">
+              <a:extLst>
+                <a:ext uri="{FF2B5EF4-FFF2-40B4-BE49-F238E27FC236}">
+                  <a16:creationId xmlns:a16="http://schemas.microsoft.com/office/drawing/2014/main" id="{1E59D8B9-096A-44B8-9ECB-726955CEDB0C}"/>
+                </a:ext>
+              </a:extLst>
+            </p:cNvPr>
+            <p:cNvSpPr/>
+            <p:nvPr/>
+          </p:nvSpPr>
+          <p:spPr>
+            <a:xfrm>
+              <a:off x="-58954200" y="2034825"/>
+              <a:ext cx="21300" cy="21275"/>
+            </a:xfrm>
+            <a:custGeom>
+              <a:avLst/>
+              <a:gdLst/>
+              <a:ahLst/>
+              <a:cxnLst/>
+              <a:rect l="l" t="t" r="r" b="b"/>
+              <a:pathLst>
+                <a:path w="852" h="851" extrusionOk="0">
+                  <a:moveTo>
+                    <a:pt x="221" y="0"/>
+                  </a:moveTo>
+                  <a:cubicBezTo>
+                    <a:pt x="95" y="0"/>
+                    <a:pt x="1" y="95"/>
+                    <a:pt x="1" y="221"/>
+                  </a:cubicBezTo>
+                  <a:lnTo>
+                    <a:pt x="1" y="630"/>
+                  </a:lnTo>
+                  <a:cubicBezTo>
+                    <a:pt x="1" y="756"/>
+                    <a:pt x="127" y="851"/>
+                    <a:pt x="221" y="851"/>
+                  </a:cubicBezTo>
+                  <a:lnTo>
+                    <a:pt x="631" y="851"/>
+                  </a:lnTo>
+                  <a:cubicBezTo>
+                    <a:pt x="757" y="851"/>
+                    <a:pt x="851" y="756"/>
+                    <a:pt x="851" y="630"/>
+                  </a:cubicBezTo>
+                  <a:lnTo>
+                    <a:pt x="851" y="221"/>
+                  </a:lnTo>
+                  <a:cubicBezTo>
+                    <a:pt x="851" y="95"/>
+                    <a:pt x="757" y="0"/>
+                    <a:pt x="631" y="0"/>
+                  </a:cubicBezTo>
+                  <a:close/>
+                </a:path>
+              </a:pathLst>
+            </a:custGeom>
+            <a:solidFill>
+              <a:srgbClr val="A9ABAA"/>
+            </a:solidFill>
+            <a:ln>
+              <a:noFill/>
+            </a:ln>
+          </p:spPr>
+          <p:txBody>
+            <a:bodyPr spcFirstLastPara="1" wrap="square" lIns="91425" tIns="91425" rIns="91425" bIns="91425" anchor="ctr" anchorCtr="0">
+              <a:noAutofit/>
+            </a:bodyPr>
+            <a:lstStyle/>
+            <a:p>
+              <a:pPr marL="0" lvl="0" indent="0" algn="l" rtl="0">
+                <a:spcBef>
+                  <a:spcPts val="0"/>
+                </a:spcBef>
+                <a:spcAft>
+                  <a:spcPts val="0"/>
+                </a:spcAft>
+                <a:buNone/>
+              </a:pPr>
+              <a:endParaRPr/>
+            </a:p>
+          </p:txBody>
+        </p:sp>
+        <p:sp>
+          <p:nvSpPr>
+            <p:cNvPr id="316" name="Google Shape;4865;p37">
+              <a:extLst>
+                <a:ext uri="{FF2B5EF4-FFF2-40B4-BE49-F238E27FC236}">
+                  <a16:creationId xmlns:a16="http://schemas.microsoft.com/office/drawing/2014/main" id="{6453D36F-10DF-4BCB-BF1F-EBF948003B9C}"/>
+                </a:ext>
+              </a:extLst>
+            </p:cNvPr>
+            <p:cNvSpPr/>
+            <p:nvPr/>
+          </p:nvSpPr>
+          <p:spPr>
+            <a:xfrm>
+              <a:off x="-58891975" y="2034825"/>
+              <a:ext cx="21300" cy="21275"/>
+            </a:xfrm>
+            <a:custGeom>
+              <a:avLst/>
+              <a:gdLst/>
+              <a:ahLst/>
+              <a:cxnLst/>
+              <a:rect l="l" t="t" r="r" b="b"/>
+              <a:pathLst>
+                <a:path w="852" h="851" extrusionOk="0">
+                  <a:moveTo>
+                    <a:pt x="190" y="0"/>
+                  </a:moveTo>
+                  <a:cubicBezTo>
+                    <a:pt x="95" y="0"/>
+                    <a:pt x="1" y="95"/>
+                    <a:pt x="1" y="221"/>
+                  </a:cubicBezTo>
+                  <a:lnTo>
+                    <a:pt x="1" y="630"/>
+                  </a:lnTo>
+                  <a:cubicBezTo>
+                    <a:pt x="1" y="756"/>
+                    <a:pt x="127" y="851"/>
+                    <a:pt x="190" y="851"/>
+                  </a:cubicBezTo>
+                  <a:lnTo>
+                    <a:pt x="631" y="851"/>
+                  </a:lnTo>
+                  <a:cubicBezTo>
+                    <a:pt x="757" y="851"/>
+                    <a:pt x="851" y="756"/>
+                    <a:pt x="851" y="630"/>
+                  </a:cubicBezTo>
+                  <a:lnTo>
+                    <a:pt x="851" y="221"/>
+                  </a:lnTo>
+                  <a:cubicBezTo>
+                    <a:pt x="851" y="95"/>
+                    <a:pt x="757" y="0"/>
+                    <a:pt x="631" y="0"/>
+                  </a:cubicBezTo>
+                  <a:close/>
+                </a:path>
+              </a:pathLst>
+            </a:custGeom>
+            <a:solidFill>
+              <a:srgbClr val="A9ABAA"/>
+            </a:solidFill>
+            <a:ln>
+              <a:noFill/>
+            </a:ln>
+          </p:spPr>
+          <p:txBody>
+            <a:bodyPr spcFirstLastPara="1" wrap="square" lIns="91425" tIns="91425" rIns="91425" bIns="91425" anchor="ctr" anchorCtr="0">
+              <a:noAutofit/>
+            </a:bodyPr>
+            <a:lstStyle/>
+            <a:p>
+              <a:pPr marL="0" lvl="0" indent="0" algn="l" rtl="0">
+                <a:spcBef>
+                  <a:spcPts val="0"/>
+                </a:spcBef>
+                <a:spcAft>
+                  <a:spcPts val="0"/>
+                </a:spcAft>
+                <a:buNone/>
+              </a:pPr>
+              <a:endParaRPr/>
+            </a:p>
+          </p:txBody>
+        </p:sp>
+        <p:sp>
+          <p:nvSpPr>
+            <p:cNvPr id="317" name="Google Shape;4866;p37">
+              <a:extLst>
+                <a:ext uri="{FF2B5EF4-FFF2-40B4-BE49-F238E27FC236}">
+                  <a16:creationId xmlns:a16="http://schemas.microsoft.com/office/drawing/2014/main" id="{B7004ED1-BA46-4397-B434-8A9BCACAB342}"/>
+                </a:ext>
+              </a:extLst>
+            </p:cNvPr>
+            <p:cNvSpPr/>
+            <p:nvPr/>
+          </p:nvSpPr>
+          <p:spPr>
+            <a:xfrm>
+              <a:off x="-59015625" y="2076550"/>
+              <a:ext cx="20500" cy="20525"/>
+            </a:xfrm>
+            <a:custGeom>
+              <a:avLst/>
+              <a:gdLst/>
+              <a:ahLst/>
+              <a:cxnLst/>
+              <a:rect l="l" t="t" r="r" b="b"/>
+              <a:pathLst>
+                <a:path w="820" h="821" extrusionOk="0">
+                  <a:moveTo>
+                    <a:pt x="189" y="1"/>
+                  </a:moveTo>
+                  <a:cubicBezTo>
+                    <a:pt x="63" y="1"/>
+                    <a:pt x="0" y="64"/>
+                    <a:pt x="0" y="190"/>
+                  </a:cubicBezTo>
+                  <a:lnTo>
+                    <a:pt x="0" y="631"/>
+                  </a:lnTo>
+                  <a:cubicBezTo>
+                    <a:pt x="0" y="757"/>
+                    <a:pt x="95" y="820"/>
+                    <a:pt x="189" y="820"/>
+                  </a:cubicBezTo>
+                  <a:lnTo>
+                    <a:pt x="630" y="820"/>
+                  </a:lnTo>
+                  <a:cubicBezTo>
+                    <a:pt x="725" y="820"/>
+                    <a:pt x="820" y="757"/>
+                    <a:pt x="820" y="631"/>
+                  </a:cubicBezTo>
+                  <a:lnTo>
+                    <a:pt x="820" y="190"/>
+                  </a:lnTo>
+                  <a:cubicBezTo>
+                    <a:pt x="820" y="64"/>
+                    <a:pt x="725" y="1"/>
+                    <a:pt x="630" y="1"/>
+                  </a:cubicBezTo>
+                  <a:close/>
+                </a:path>
+              </a:pathLst>
+            </a:custGeom>
+            <a:solidFill>
+              <a:srgbClr val="A9ABAA"/>
+            </a:solidFill>
+            <a:ln>
+              <a:noFill/>
+            </a:ln>
+          </p:spPr>
+          <p:txBody>
+            <a:bodyPr spcFirstLastPara="1" wrap="square" lIns="91425" tIns="91425" rIns="91425" bIns="91425" anchor="ctr" anchorCtr="0">
+              <a:noAutofit/>
+            </a:bodyPr>
+            <a:lstStyle/>
+            <a:p>
+              <a:pPr marL="0" lvl="0" indent="0" algn="l" rtl="0">
+                <a:spcBef>
+                  <a:spcPts val="0"/>
+                </a:spcBef>
+                <a:spcAft>
+                  <a:spcPts val="0"/>
+                </a:spcAft>
+                <a:buNone/>
+              </a:pPr>
+              <a:endParaRPr/>
+            </a:p>
+          </p:txBody>
+        </p:sp>
+        <p:sp>
+          <p:nvSpPr>
+            <p:cNvPr id="318" name="Google Shape;4867;p37">
+              <a:extLst>
+                <a:ext uri="{FF2B5EF4-FFF2-40B4-BE49-F238E27FC236}">
+                  <a16:creationId xmlns:a16="http://schemas.microsoft.com/office/drawing/2014/main" id="{C52ACCF8-0476-480B-A919-B6F271BCF69D}"/>
+                </a:ext>
+              </a:extLst>
+            </p:cNvPr>
+            <p:cNvSpPr/>
+            <p:nvPr/>
+          </p:nvSpPr>
+          <p:spPr>
+            <a:xfrm>
+              <a:off x="-58954200" y="2076550"/>
+              <a:ext cx="21300" cy="20525"/>
+            </a:xfrm>
+            <a:custGeom>
+              <a:avLst/>
+              <a:gdLst/>
+              <a:ahLst/>
+              <a:cxnLst/>
+              <a:rect l="l" t="t" r="r" b="b"/>
+              <a:pathLst>
+                <a:path w="852" h="821" extrusionOk="0">
+                  <a:moveTo>
+                    <a:pt x="221" y="1"/>
+                  </a:moveTo>
+                  <a:cubicBezTo>
+                    <a:pt x="95" y="1"/>
+                    <a:pt x="1" y="64"/>
+                    <a:pt x="1" y="190"/>
+                  </a:cubicBezTo>
+                  <a:lnTo>
+                    <a:pt x="1" y="631"/>
+                  </a:lnTo>
+                  <a:cubicBezTo>
+                    <a:pt x="1" y="757"/>
+                    <a:pt x="127" y="820"/>
+                    <a:pt x="221" y="820"/>
+                  </a:cubicBezTo>
+                  <a:lnTo>
+                    <a:pt x="631" y="820"/>
+                  </a:lnTo>
+                  <a:cubicBezTo>
+                    <a:pt x="757" y="820"/>
+                    <a:pt x="851" y="757"/>
+                    <a:pt x="851" y="631"/>
+                  </a:cubicBezTo>
+                  <a:lnTo>
+                    <a:pt x="851" y="190"/>
+                  </a:lnTo>
+                  <a:cubicBezTo>
+                    <a:pt x="851" y="64"/>
+                    <a:pt x="757" y="1"/>
+                    <a:pt x="631" y="1"/>
+                  </a:cubicBezTo>
+                  <a:close/>
+                </a:path>
+              </a:pathLst>
+            </a:custGeom>
+            <a:solidFill>
+              <a:srgbClr val="A9ABAA"/>
+            </a:solidFill>
+            <a:ln>
+              <a:noFill/>
+            </a:ln>
+          </p:spPr>
+          <p:txBody>
+            <a:bodyPr spcFirstLastPara="1" wrap="square" lIns="91425" tIns="91425" rIns="91425" bIns="91425" anchor="ctr" anchorCtr="0">
+              <a:noAutofit/>
+            </a:bodyPr>
+            <a:lstStyle/>
+            <a:p>
+              <a:pPr marL="0" lvl="0" indent="0" algn="l" rtl="0">
+                <a:spcBef>
+                  <a:spcPts val="0"/>
+                </a:spcBef>
+                <a:spcAft>
+                  <a:spcPts val="0"/>
+                </a:spcAft>
+                <a:buNone/>
+              </a:pPr>
+              <a:endParaRPr/>
+            </a:p>
+          </p:txBody>
+        </p:sp>
+        <p:sp>
+          <p:nvSpPr>
+            <p:cNvPr id="319" name="Google Shape;4868;p37">
+              <a:extLst>
+                <a:ext uri="{FF2B5EF4-FFF2-40B4-BE49-F238E27FC236}">
+                  <a16:creationId xmlns:a16="http://schemas.microsoft.com/office/drawing/2014/main" id="{74E31577-ABE6-44EC-B1FF-5C74CDF963BD}"/>
+                </a:ext>
+              </a:extLst>
+            </p:cNvPr>
+            <p:cNvSpPr/>
+            <p:nvPr/>
+          </p:nvSpPr>
+          <p:spPr>
+            <a:xfrm>
+              <a:off x="-58891975" y="2076550"/>
+              <a:ext cx="21300" cy="20525"/>
+            </a:xfrm>
+            <a:custGeom>
+              <a:avLst/>
+              <a:gdLst/>
+              <a:ahLst/>
+              <a:cxnLst/>
+              <a:rect l="l" t="t" r="r" b="b"/>
+              <a:pathLst>
+                <a:path w="852" h="821" extrusionOk="0">
+                  <a:moveTo>
+                    <a:pt x="190" y="1"/>
+                  </a:moveTo>
+                  <a:cubicBezTo>
+                    <a:pt x="95" y="1"/>
+                    <a:pt x="1" y="64"/>
+                    <a:pt x="1" y="190"/>
+                  </a:cubicBezTo>
+                  <a:lnTo>
+                    <a:pt x="1" y="631"/>
+                  </a:lnTo>
+                  <a:cubicBezTo>
+                    <a:pt x="1" y="757"/>
+                    <a:pt x="127" y="820"/>
+                    <a:pt x="190" y="820"/>
+                  </a:cubicBezTo>
+                  <a:lnTo>
+                    <a:pt x="631" y="820"/>
+                  </a:lnTo>
+                  <a:cubicBezTo>
+                    <a:pt x="757" y="820"/>
+                    <a:pt x="851" y="757"/>
+                    <a:pt x="851" y="631"/>
+                  </a:cubicBezTo>
+                  <a:lnTo>
+                    <a:pt x="851" y="190"/>
+                  </a:lnTo>
+                  <a:cubicBezTo>
+                    <a:pt x="851" y="64"/>
+                    <a:pt x="757" y="1"/>
+                    <a:pt x="631" y="1"/>
+                  </a:cubicBezTo>
+                  <a:close/>
+                </a:path>
+              </a:pathLst>
+            </a:custGeom>
+            <a:solidFill>
+              <a:srgbClr val="A9ABAA"/>
+            </a:solidFill>
+            <a:ln>
+              <a:noFill/>
+            </a:ln>
+          </p:spPr>
+          <p:txBody>
+            <a:bodyPr spcFirstLastPara="1" wrap="square" lIns="91425" tIns="91425" rIns="91425" bIns="91425" anchor="ctr" anchorCtr="0">
+              <a:noAutofit/>
+            </a:bodyPr>
+            <a:lstStyle/>
+            <a:p>
+              <a:pPr marL="0" lvl="0" indent="0" algn="l" rtl="0">
+                <a:spcBef>
+                  <a:spcPts val="0"/>
+                </a:spcBef>
+                <a:spcAft>
+                  <a:spcPts val="0"/>
+                </a:spcAft>
+                <a:buNone/>
+              </a:pPr>
+              <a:endParaRPr/>
+            </a:p>
+          </p:txBody>
+        </p:sp>
+        <p:sp>
+          <p:nvSpPr>
+            <p:cNvPr id="320" name="Google Shape;4869;p37">
+              <a:extLst>
+                <a:ext uri="{FF2B5EF4-FFF2-40B4-BE49-F238E27FC236}">
+                  <a16:creationId xmlns:a16="http://schemas.microsoft.com/office/drawing/2014/main" id="{DA639745-CC56-47C8-B93C-6C42B9CB5D65}"/>
+                </a:ext>
+              </a:extLst>
+            </p:cNvPr>
+            <p:cNvSpPr/>
+            <p:nvPr/>
+          </p:nvSpPr>
+          <p:spPr>
+            <a:xfrm>
+              <a:off x="-59100700" y="1911950"/>
+              <a:ext cx="315875" cy="319000"/>
+            </a:xfrm>
+            <a:custGeom>
+              <a:avLst/>
+              <a:gdLst/>
+              <a:ahLst/>
+              <a:cxnLst/>
+              <a:rect l="l" t="t" r="r" b="b"/>
+              <a:pathLst>
+                <a:path w="12635" h="12760" extrusionOk="0">
+                  <a:moveTo>
+                    <a:pt x="9169" y="788"/>
+                  </a:moveTo>
+                  <a:lnTo>
+                    <a:pt x="9169" y="1607"/>
+                  </a:lnTo>
+                  <a:lnTo>
+                    <a:pt x="3403" y="1607"/>
+                  </a:lnTo>
+                  <a:lnTo>
+                    <a:pt x="3403" y="788"/>
+                  </a:lnTo>
+                  <a:close/>
+                  <a:moveTo>
+                    <a:pt x="1734" y="9074"/>
+                  </a:moveTo>
+                  <a:lnTo>
+                    <a:pt x="1734" y="11815"/>
+                  </a:lnTo>
+                  <a:lnTo>
+                    <a:pt x="788" y="11815"/>
+                  </a:lnTo>
+                  <a:lnTo>
+                    <a:pt x="788" y="9074"/>
+                  </a:lnTo>
+                  <a:close/>
+                  <a:moveTo>
+                    <a:pt x="5861" y="9074"/>
+                  </a:moveTo>
+                  <a:lnTo>
+                    <a:pt x="5861" y="11815"/>
+                  </a:lnTo>
+                  <a:lnTo>
+                    <a:pt x="4223" y="11815"/>
+                  </a:lnTo>
+                  <a:lnTo>
+                    <a:pt x="4223" y="9074"/>
+                  </a:lnTo>
+                  <a:close/>
+                  <a:moveTo>
+                    <a:pt x="8350" y="9074"/>
+                  </a:moveTo>
+                  <a:lnTo>
+                    <a:pt x="8350" y="11815"/>
+                  </a:lnTo>
+                  <a:lnTo>
+                    <a:pt x="6711" y="11815"/>
+                  </a:lnTo>
+                  <a:lnTo>
+                    <a:pt x="6711" y="9074"/>
+                  </a:lnTo>
+                  <a:close/>
+                  <a:moveTo>
+                    <a:pt x="10051" y="2458"/>
+                  </a:moveTo>
+                  <a:lnTo>
+                    <a:pt x="10051" y="11815"/>
+                  </a:lnTo>
+                  <a:lnTo>
+                    <a:pt x="9169" y="11815"/>
+                  </a:lnTo>
+                  <a:lnTo>
+                    <a:pt x="9169" y="8664"/>
+                  </a:lnTo>
+                  <a:cubicBezTo>
+                    <a:pt x="9169" y="8444"/>
+                    <a:pt x="8980" y="8223"/>
+                    <a:pt x="8791" y="8223"/>
+                  </a:cubicBezTo>
+                  <a:lnTo>
+                    <a:pt x="3813" y="8223"/>
+                  </a:lnTo>
+                  <a:cubicBezTo>
+                    <a:pt x="3592" y="8223"/>
+                    <a:pt x="3435" y="8444"/>
+                    <a:pt x="3435" y="8664"/>
+                  </a:cubicBezTo>
+                  <a:lnTo>
+                    <a:pt x="3435" y="11815"/>
+                  </a:lnTo>
+                  <a:lnTo>
+                    <a:pt x="2616" y="11815"/>
+                  </a:lnTo>
+                  <a:lnTo>
+                    <a:pt x="2616" y="2458"/>
+                  </a:lnTo>
+                  <a:close/>
+                  <a:moveTo>
+                    <a:pt x="11815" y="9074"/>
+                  </a:moveTo>
+                  <a:lnTo>
+                    <a:pt x="11815" y="11815"/>
+                  </a:lnTo>
+                  <a:lnTo>
+                    <a:pt x="10839" y="11815"/>
+                  </a:lnTo>
+                  <a:lnTo>
+                    <a:pt x="10839" y="9074"/>
+                  </a:lnTo>
+                  <a:close/>
+                  <a:moveTo>
+                    <a:pt x="2994" y="0"/>
+                  </a:moveTo>
+                  <a:cubicBezTo>
+                    <a:pt x="2773" y="0"/>
+                    <a:pt x="2616" y="190"/>
+                    <a:pt x="2616" y="410"/>
+                  </a:cubicBezTo>
+                  <a:lnTo>
+                    <a:pt x="2616" y="1670"/>
+                  </a:lnTo>
+                  <a:lnTo>
+                    <a:pt x="2206" y="1670"/>
+                  </a:lnTo>
+                  <a:cubicBezTo>
+                    <a:pt x="1986" y="1670"/>
+                    <a:pt x="1765" y="1859"/>
+                    <a:pt x="1765" y="2080"/>
+                  </a:cubicBezTo>
+                  <a:lnTo>
+                    <a:pt x="1765" y="8318"/>
+                  </a:lnTo>
+                  <a:lnTo>
+                    <a:pt x="410" y="8318"/>
+                  </a:lnTo>
+                  <a:cubicBezTo>
+                    <a:pt x="158" y="8318"/>
+                    <a:pt x="1" y="8507"/>
+                    <a:pt x="1" y="8727"/>
+                  </a:cubicBezTo>
+                  <a:lnTo>
+                    <a:pt x="1" y="12319"/>
+                  </a:lnTo>
+                  <a:cubicBezTo>
+                    <a:pt x="1" y="12571"/>
+                    <a:pt x="190" y="12760"/>
+                    <a:pt x="410" y="12760"/>
+                  </a:cubicBezTo>
+                  <a:lnTo>
+                    <a:pt x="12256" y="12760"/>
+                  </a:lnTo>
+                  <a:cubicBezTo>
+                    <a:pt x="12477" y="12760"/>
+                    <a:pt x="12634" y="12571"/>
+                    <a:pt x="12634" y="12319"/>
+                  </a:cubicBezTo>
+                  <a:lnTo>
+                    <a:pt x="12634" y="8664"/>
+                  </a:lnTo>
+                  <a:cubicBezTo>
+                    <a:pt x="12634" y="8444"/>
+                    <a:pt x="12445" y="8223"/>
+                    <a:pt x="12225" y="8223"/>
+                  </a:cubicBezTo>
+                  <a:lnTo>
+                    <a:pt x="10839" y="8223"/>
+                  </a:lnTo>
+                  <a:lnTo>
+                    <a:pt x="10839" y="2017"/>
+                  </a:lnTo>
+                  <a:cubicBezTo>
+                    <a:pt x="10839" y="1765"/>
+                    <a:pt x="10650" y="1576"/>
+                    <a:pt x="10429" y="1576"/>
+                  </a:cubicBezTo>
+                  <a:lnTo>
+                    <a:pt x="10019" y="1576"/>
+                  </a:lnTo>
+                  <a:lnTo>
+                    <a:pt x="10019" y="410"/>
+                  </a:lnTo>
+                  <a:cubicBezTo>
+                    <a:pt x="10019" y="158"/>
+                    <a:pt x="9799" y="0"/>
+                    <a:pt x="9610" y="0"/>
+                  </a:cubicBezTo>
+                  <a:close/>
+                </a:path>
+              </a:pathLst>
+            </a:custGeom>
+            <a:solidFill>
+              <a:srgbClr val="A9ABAA"/>
+            </a:solidFill>
+            <a:ln>
+              <a:noFill/>
+            </a:ln>
+          </p:spPr>
+          <p:txBody>
+            <a:bodyPr spcFirstLastPara="1" wrap="square" lIns="91425" tIns="91425" rIns="91425" bIns="91425" anchor="ctr" anchorCtr="0">
+              <a:noAutofit/>
+            </a:bodyPr>
+            <a:lstStyle/>
+            <a:p>
+              <a:pPr marL="0" lvl="0" indent="0" algn="l" rtl="0">
+                <a:spcBef>
+                  <a:spcPts val="0"/>
+                </a:spcBef>
+                <a:spcAft>
+                  <a:spcPts val="0"/>
+                </a:spcAft>
+                <a:buNone/>
+              </a:pPr>
+              <a:endParaRPr/>
+            </a:p>
+          </p:txBody>
+        </p:sp>
+      </p:grpSp>
     </p:spTree>
     <p:extLst>
       <p:ext uri="{BB962C8B-B14F-4D97-AF65-F5344CB8AC3E}">
